--- a/lectures/lec-12.pptx
+++ b/lectures/lec-12.pptx
@@ -230,14 +230,14 @@
           <a:effectLst/>
           <a:extLst>
             <a:ext uri="{909E8E84-426E-40dd-AFC4-6F175D3DCCD1}">
-              <a14:hiddenFill xmlns:a14="http://schemas.microsoft.com/office/drawing/2010/main" xmlns="">
+              <a14:hiddenFill xmlns="" xmlns:a14="http://schemas.microsoft.com/office/drawing/2010/main">
                 <a:solidFill>
                   <a:schemeClr val="accent1"/>
                 </a:solidFill>
               </a14:hiddenFill>
             </a:ext>
             <a:ext uri="{91240B29-F687-4f45-9708-019B960494DF}">
-              <a14:hiddenLine xmlns:a14="http://schemas.microsoft.com/office/drawing/2010/main" xmlns="" w="9525">
+              <a14:hiddenLine xmlns="" xmlns:a14="http://schemas.microsoft.com/office/drawing/2010/main" w="9525">
                 <a:solidFill>
                   <a:schemeClr val="tx1"/>
                 </a:solidFill>
@@ -247,7 +247,7 @@
               </a14:hiddenLine>
             </a:ext>
             <a:ext uri="{AF507438-7753-43e0-B8FC-AC1667EBCBE1}">
-              <a14:hiddenEffects xmlns:a14="http://schemas.microsoft.com/office/drawing/2010/main" xmlns="">
+              <a14:hiddenEffects xmlns="" xmlns:a14="http://schemas.microsoft.com/office/drawing/2010/main">
                 <a:effectLst>
                   <a:outerShdw dist="35921" dir="2700000" algn="ctr" rotWithShape="0">
                     <a:schemeClr val="bg2"/>
@@ -304,14 +304,14 @@
           <a:effectLst/>
           <a:extLst>
             <a:ext uri="{909E8E84-426E-40dd-AFC4-6F175D3DCCD1}">
-              <a14:hiddenFill xmlns:a14="http://schemas.microsoft.com/office/drawing/2010/main" xmlns="">
+              <a14:hiddenFill xmlns="" xmlns:a14="http://schemas.microsoft.com/office/drawing/2010/main">
                 <a:solidFill>
                   <a:schemeClr val="accent1"/>
                 </a:solidFill>
               </a14:hiddenFill>
             </a:ext>
             <a:ext uri="{91240B29-F687-4f45-9708-019B960494DF}">
-              <a14:hiddenLine xmlns:a14="http://schemas.microsoft.com/office/drawing/2010/main" xmlns="" w="9525">
+              <a14:hiddenLine xmlns="" xmlns:a14="http://schemas.microsoft.com/office/drawing/2010/main" w="9525">
                 <a:solidFill>
                   <a:schemeClr val="tx1"/>
                 </a:solidFill>
@@ -321,7 +321,7 @@
               </a14:hiddenLine>
             </a:ext>
             <a:ext uri="{AF507438-7753-43e0-B8FC-AC1667EBCBE1}">
-              <a14:hiddenEffects xmlns:a14="http://schemas.microsoft.com/office/drawing/2010/main" xmlns="">
+              <a14:hiddenEffects xmlns="" xmlns:a14="http://schemas.microsoft.com/office/drawing/2010/main">
                 <a:effectLst>
                   <a:outerShdw dist="35921" dir="2700000" algn="ctr" rotWithShape="0">
                     <a:schemeClr val="bg2"/>
@@ -383,14 +383,14 @@
           <a:effectLst/>
           <a:extLst>
             <a:ext uri="{909E8E84-426E-40dd-AFC4-6F175D3DCCD1}">
-              <a14:hiddenFill xmlns:a14="http://schemas.microsoft.com/office/drawing/2010/main" xmlns="">
+              <a14:hiddenFill xmlns="" xmlns:a14="http://schemas.microsoft.com/office/drawing/2010/main">
                 <a:solidFill>
                   <a:srgbClr val="FFFFFF"/>
                 </a:solidFill>
               </a14:hiddenFill>
             </a:ext>
             <a:ext uri="{AF507438-7753-43e0-B8FC-AC1667EBCBE1}">
-              <a14:hiddenEffects xmlns:a14="http://schemas.microsoft.com/office/drawing/2010/main" xmlns="">
+              <a14:hiddenEffects xmlns="" xmlns:a14="http://schemas.microsoft.com/office/drawing/2010/main">
                 <a:effectLst>
                   <a:outerShdw blurRad="63500" dist="38099" dir="2700000" algn="ctr" rotWithShape="0">
                     <a:srgbClr val="000000">
@@ -401,10 +401,10 @@
               </a14:hiddenEffects>
             </a:ext>
             <a:ext uri="{53640926-AAD7-44d8-BBD7-CCE9431645EC}">
-              <a14:shadowObscured xmlns:a14="http://schemas.microsoft.com/office/drawing/2010/main" xmlns="" val="1"/>
+              <a14:shadowObscured xmlns="" xmlns:a14="http://schemas.microsoft.com/office/drawing/2010/main" val="1"/>
             </a:ext>
             <a:ext uri="{FAA26D3D-D897-4be2-8F04-BA451C77F1D7}">
-              <ma14:placeholderFlag xmlns:ma14="http://schemas.microsoft.com/office/mac/drawingml/2011/main" xmlns="" val="1"/>
+              <ma14:placeholderFlag xmlns="" xmlns:ma14="http://schemas.microsoft.com/office/mac/drawingml/2011/main" val="1"/>
             </a:ext>
           </a:extLst>
         </p:spPr>
@@ -434,14 +434,14 @@
           <a:effectLst/>
           <a:extLst>
             <a:ext uri="{909E8E84-426E-40dd-AFC4-6F175D3DCCD1}">
-              <a14:hiddenFill xmlns:a14="http://schemas.microsoft.com/office/drawing/2010/main" xmlns="">
+              <a14:hiddenFill xmlns="" xmlns:a14="http://schemas.microsoft.com/office/drawing/2010/main">
                 <a:solidFill>
                   <a:schemeClr val="accent1"/>
                 </a:solidFill>
               </a14:hiddenFill>
             </a:ext>
             <a:ext uri="{91240B29-F687-4f45-9708-019B960494DF}">
-              <a14:hiddenLine xmlns:a14="http://schemas.microsoft.com/office/drawing/2010/main" xmlns="" w="9525">
+              <a14:hiddenLine xmlns="" xmlns:a14="http://schemas.microsoft.com/office/drawing/2010/main" w="9525">
                 <a:solidFill>
                   <a:schemeClr val="tx1"/>
                 </a:solidFill>
@@ -451,7 +451,7 @@
               </a14:hiddenLine>
             </a:ext>
             <a:ext uri="{AF507438-7753-43e0-B8FC-AC1667EBCBE1}">
-              <a14:hiddenEffects xmlns:a14="http://schemas.microsoft.com/office/drawing/2010/main" xmlns="">
+              <a14:hiddenEffects xmlns="" xmlns:a14="http://schemas.microsoft.com/office/drawing/2010/main">
                 <a:effectLst>
                   <a:outerShdw dist="35921" dir="2700000" algn="ctr" rotWithShape="0">
                     <a:schemeClr val="bg2"/>
@@ -530,14 +530,14 @@
           <a:effectLst/>
           <a:extLst>
             <a:ext uri="{909E8E84-426E-40dd-AFC4-6F175D3DCCD1}">
-              <a14:hiddenFill xmlns:a14="http://schemas.microsoft.com/office/drawing/2010/main" xmlns="">
+              <a14:hiddenFill xmlns="" xmlns:a14="http://schemas.microsoft.com/office/drawing/2010/main">
                 <a:solidFill>
                   <a:schemeClr val="accent1"/>
                 </a:solidFill>
               </a14:hiddenFill>
             </a:ext>
             <a:ext uri="{91240B29-F687-4f45-9708-019B960494DF}">
-              <a14:hiddenLine xmlns:a14="http://schemas.microsoft.com/office/drawing/2010/main" xmlns="" w="9525">
+              <a14:hiddenLine xmlns="" xmlns:a14="http://schemas.microsoft.com/office/drawing/2010/main" w="9525">
                 <a:solidFill>
                   <a:schemeClr val="tx1"/>
                 </a:solidFill>
@@ -547,7 +547,7 @@
               </a14:hiddenLine>
             </a:ext>
             <a:ext uri="{AF507438-7753-43e0-B8FC-AC1667EBCBE1}">
-              <a14:hiddenEffects xmlns:a14="http://schemas.microsoft.com/office/drawing/2010/main" xmlns="">
+              <a14:hiddenEffects xmlns="" xmlns:a14="http://schemas.microsoft.com/office/drawing/2010/main">
                 <a:effectLst>
                   <a:outerShdw dist="35921" dir="2700000" algn="ctr" rotWithShape="0">
                     <a:schemeClr val="bg2"/>
@@ -604,14 +604,14 @@
           <a:effectLst/>
           <a:extLst>
             <a:ext uri="{909E8E84-426E-40dd-AFC4-6F175D3DCCD1}">
-              <a14:hiddenFill xmlns:a14="http://schemas.microsoft.com/office/drawing/2010/main" xmlns="">
+              <a14:hiddenFill xmlns="" xmlns:a14="http://schemas.microsoft.com/office/drawing/2010/main">
                 <a:solidFill>
                   <a:schemeClr val="accent1"/>
                 </a:solidFill>
               </a14:hiddenFill>
             </a:ext>
             <a:ext uri="{91240B29-F687-4f45-9708-019B960494DF}">
-              <a14:hiddenLine xmlns:a14="http://schemas.microsoft.com/office/drawing/2010/main" xmlns="" w="9525">
+              <a14:hiddenLine xmlns="" xmlns:a14="http://schemas.microsoft.com/office/drawing/2010/main" w="9525">
                 <a:solidFill>
                   <a:schemeClr val="tx1"/>
                 </a:solidFill>
@@ -621,7 +621,7 @@
               </a14:hiddenLine>
             </a:ext>
             <a:ext uri="{AF507438-7753-43e0-B8FC-AC1667EBCBE1}">
-              <a14:hiddenEffects xmlns:a14="http://schemas.microsoft.com/office/drawing/2010/main" xmlns="">
+              <a14:hiddenEffects xmlns="" xmlns:a14="http://schemas.microsoft.com/office/drawing/2010/main">
                 <a:effectLst>
                   <a:outerShdw dist="35921" dir="2700000" algn="ctr" rotWithShape="0">
                     <a:schemeClr val="bg2"/>
@@ -816,7 +816,7 @@
           <a:noFill/>
           <a:extLst>
             <a:ext uri="{AF507438-7753-43e0-B8FC-AC1667EBCBE1}">
-              <a14:hiddenEffects xmlns:a14="http://schemas.microsoft.com/office/drawing/2010/main" xmlns="">
+              <a14:hiddenEffects xmlns="" xmlns:a14="http://schemas.microsoft.com/office/drawing/2010/main">
                 <a:effectLst>
                   <a:outerShdw blurRad="63500" dist="38099" dir="2700000" algn="ctr" rotWithShape="0">
                     <a:schemeClr val="bg2">
@@ -975,7 +975,7 @@
           <a:noFill/>
           <a:extLst>
             <a:ext uri="{AF507438-7753-43e0-B8FC-AC1667EBCBE1}">
-              <a14:hiddenEffects xmlns:a14="http://schemas.microsoft.com/office/drawing/2010/main" xmlns="">
+              <a14:hiddenEffects xmlns="" xmlns:a14="http://schemas.microsoft.com/office/drawing/2010/main">
                 <a:effectLst>
                   <a:outerShdw blurRad="63500" dist="38099" dir="2700000" algn="ctr" rotWithShape="0">
                     <a:schemeClr val="bg2">
@@ -986,7 +986,7 @@
               </a14:hiddenEffects>
             </a:ext>
             <a:ext uri="{FAA26D3D-D897-4be2-8F04-BA451C77F1D7}">
-              <ma14:placeholderFlag xmlns:ma14="http://schemas.microsoft.com/office/mac/drawingml/2011/main" xmlns="" val="1"/>
+              <ma14:placeholderFlag xmlns="" xmlns:ma14="http://schemas.microsoft.com/office/mac/drawingml/2011/main" val="1"/>
             </a:ext>
           </a:extLst>
         </p:spPr>
@@ -1040,7 +1040,7 @@
           <a:noFill/>
           <a:extLst>
             <a:ext uri="{AF507438-7753-43e0-B8FC-AC1667EBCBE1}">
-              <a14:hiddenEffects xmlns:a14="http://schemas.microsoft.com/office/drawing/2010/main" xmlns="">
+              <a14:hiddenEffects xmlns="" xmlns:a14="http://schemas.microsoft.com/office/drawing/2010/main">
                 <a:effectLst>
                   <a:outerShdw blurRad="63500" dist="38099" dir="2700000" algn="ctr" rotWithShape="0">
                     <a:schemeClr val="bg2">
@@ -1199,7 +1199,7 @@
           <a:noFill/>
           <a:extLst>
             <a:ext uri="{AF507438-7753-43e0-B8FC-AC1667EBCBE1}">
-              <a14:hiddenEffects xmlns:a14="http://schemas.microsoft.com/office/drawing/2010/main" xmlns="">
+              <a14:hiddenEffects xmlns="" xmlns:a14="http://schemas.microsoft.com/office/drawing/2010/main">
                 <a:effectLst>
                   <a:outerShdw blurRad="63500" dist="38099" dir="2700000" algn="ctr" rotWithShape="0">
                     <a:schemeClr val="bg2">
@@ -1210,7 +1210,7 @@
               </a14:hiddenEffects>
             </a:ext>
             <a:ext uri="{FAA26D3D-D897-4be2-8F04-BA451C77F1D7}">
-              <ma14:placeholderFlag xmlns:ma14="http://schemas.microsoft.com/office/mac/drawingml/2011/main" xmlns="" val="1"/>
+              <ma14:placeholderFlag xmlns="" xmlns:ma14="http://schemas.microsoft.com/office/mac/drawingml/2011/main" val="1"/>
             </a:ext>
           </a:extLst>
         </p:spPr>
@@ -1264,7 +1264,7 @@
           <a:noFill/>
           <a:extLst>
             <a:ext uri="{AF507438-7753-43e0-B8FC-AC1667EBCBE1}">
-              <a14:hiddenEffects xmlns:a14="http://schemas.microsoft.com/office/drawing/2010/main" xmlns="">
+              <a14:hiddenEffects xmlns="" xmlns:a14="http://schemas.microsoft.com/office/drawing/2010/main">
                 <a:effectLst>
                   <a:outerShdw blurRad="63500" dist="38099" dir="2700000" algn="ctr" rotWithShape="0">
                     <a:schemeClr val="bg2">
@@ -1423,7 +1423,7 @@
           <a:noFill/>
           <a:extLst>
             <a:ext uri="{AF507438-7753-43e0-B8FC-AC1667EBCBE1}">
-              <a14:hiddenEffects xmlns:a14="http://schemas.microsoft.com/office/drawing/2010/main" xmlns="">
+              <a14:hiddenEffects xmlns="" xmlns:a14="http://schemas.microsoft.com/office/drawing/2010/main">
                 <a:effectLst>
                   <a:outerShdw blurRad="63500" dist="38099" dir="2700000" algn="ctr" rotWithShape="0">
                     <a:schemeClr val="bg2">
@@ -1434,7 +1434,7 @@
               </a14:hiddenEffects>
             </a:ext>
             <a:ext uri="{FAA26D3D-D897-4be2-8F04-BA451C77F1D7}">
-              <ma14:placeholderFlag xmlns:ma14="http://schemas.microsoft.com/office/mac/drawingml/2011/main" xmlns="" val="1"/>
+              <ma14:placeholderFlag xmlns="" xmlns:ma14="http://schemas.microsoft.com/office/mac/drawingml/2011/main" val="1"/>
             </a:ext>
           </a:extLst>
         </p:spPr>
@@ -1488,7 +1488,7 @@
           <a:noFill/>
           <a:extLst>
             <a:ext uri="{AF507438-7753-43e0-B8FC-AC1667EBCBE1}">
-              <a14:hiddenEffects xmlns:a14="http://schemas.microsoft.com/office/drawing/2010/main" xmlns="">
+              <a14:hiddenEffects xmlns="" xmlns:a14="http://schemas.microsoft.com/office/drawing/2010/main">
                 <a:effectLst>
                   <a:outerShdw blurRad="63500" dist="38099" dir="2700000" algn="ctr" rotWithShape="0">
                     <a:schemeClr val="bg2">
@@ -1647,7 +1647,7 @@
           <a:noFill/>
           <a:extLst>
             <a:ext uri="{AF507438-7753-43e0-B8FC-AC1667EBCBE1}">
-              <a14:hiddenEffects xmlns:a14="http://schemas.microsoft.com/office/drawing/2010/main" xmlns="">
+              <a14:hiddenEffects xmlns="" xmlns:a14="http://schemas.microsoft.com/office/drawing/2010/main">
                 <a:effectLst>
                   <a:outerShdw blurRad="63500" dist="38099" dir="2700000" algn="ctr" rotWithShape="0">
                     <a:schemeClr val="bg2">
@@ -1658,7 +1658,7 @@
               </a14:hiddenEffects>
             </a:ext>
             <a:ext uri="{FAA26D3D-D897-4be2-8F04-BA451C77F1D7}">
-              <ma14:placeholderFlag xmlns:ma14="http://schemas.microsoft.com/office/mac/drawingml/2011/main" xmlns="" val="1"/>
+              <ma14:placeholderFlag xmlns="" xmlns:ma14="http://schemas.microsoft.com/office/mac/drawingml/2011/main" val="1"/>
             </a:ext>
           </a:extLst>
         </p:spPr>
@@ -1712,14 +1712,14 @@
           <a:noFill/>
           <a:extLst>
             <a:ext uri="{909E8E84-426E-40dd-AFC4-6F175D3DCCD1}">
-              <a14:hiddenFill xmlns:a14="http://schemas.microsoft.com/office/drawing/2010/main" xmlns="">
+              <a14:hiddenFill xmlns="" xmlns:a14="http://schemas.microsoft.com/office/drawing/2010/main">
                 <a:solidFill>
                   <a:srgbClr val="FFFFFF"/>
                 </a:solidFill>
               </a14:hiddenFill>
             </a:ext>
             <a:ext uri="{91240B29-F687-4f45-9708-019B960494DF}">
-              <a14:hiddenLine xmlns:a14="http://schemas.microsoft.com/office/drawing/2010/main" xmlns="" w="9525">
+              <a14:hiddenLine xmlns="" xmlns:a14="http://schemas.microsoft.com/office/drawing/2010/main" w="9525">
                 <a:solidFill>
                   <a:srgbClr val="000000"/>
                 </a:solidFill>
@@ -1729,7 +1729,7 @@
               </a14:hiddenLine>
             </a:ext>
             <a:ext uri="{AF507438-7753-43e0-B8FC-AC1667EBCBE1}">
-              <a14:hiddenEffects xmlns:a14="http://schemas.microsoft.com/office/drawing/2010/main" xmlns="">
+              <a14:hiddenEffects xmlns="" xmlns:a14="http://schemas.microsoft.com/office/drawing/2010/main">
                 <a:effectLst>
                   <a:outerShdw blurRad="63500" dist="38099" dir="2700000" algn="ctr" rotWithShape="0">
                     <a:schemeClr val="bg2">
@@ -1888,14 +1888,14 @@
           <a:noFill/>
           <a:extLst>
             <a:ext uri="{909E8E84-426E-40dd-AFC4-6F175D3DCCD1}">
-              <a14:hiddenFill xmlns:a14="http://schemas.microsoft.com/office/drawing/2010/main" xmlns="">
+              <a14:hiddenFill xmlns="" xmlns:a14="http://schemas.microsoft.com/office/drawing/2010/main">
                 <a:solidFill>
                   <a:srgbClr val="FFFFFF"/>
                 </a:solidFill>
               </a14:hiddenFill>
             </a:ext>
             <a:ext uri="{91240B29-F687-4f45-9708-019B960494DF}">
-              <a14:hiddenLine xmlns:a14="http://schemas.microsoft.com/office/drawing/2010/main" xmlns="" w="9525">
+              <a14:hiddenLine xmlns="" xmlns:a14="http://schemas.microsoft.com/office/drawing/2010/main" w="9525">
                 <a:solidFill>
                   <a:srgbClr val="000000"/>
                 </a:solidFill>
@@ -1905,7 +1905,7 @@
               </a14:hiddenLine>
             </a:ext>
             <a:ext uri="{AF507438-7753-43e0-B8FC-AC1667EBCBE1}">
-              <a14:hiddenEffects xmlns:a14="http://schemas.microsoft.com/office/drawing/2010/main" xmlns="">
+              <a14:hiddenEffects xmlns="" xmlns:a14="http://schemas.microsoft.com/office/drawing/2010/main">
                 <a:effectLst>
                   <a:outerShdw blurRad="63500" dist="38099" dir="2700000" algn="ctr" rotWithShape="0">
                     <a:schemeClr val="bg2">
@@ -1916,7 +1916,7 @@
               </a14:hiddenEffects>
             </a:ext>
             <a:ext uri="{FAA26D3D-D897-4be2-8F04-BA451C77F1D7}">
-              <ma14:placeholderFlag xmlns:ma14="http://schemas.microsoft.com/office/mac/drawingml/2011/main" xmlns="" val="1"/>
+              <ma14:placeholderFlag xmlns="" xmlns:ma14="http://schemas.microsoft.com/office/mac/drawingml/2011/main" val="1"/>
             </a:ext>
           </a:extLst>
         </p:spPr>
@@ -1970,14 +1970,14 @@
           <a:noFill/>
           <a:extLst>
             <a:ext uri="{909E8E84-426E-40dd-AFC4-6F175D3DCCD1}">
-              <a14:hiddenFill xmlns:a14="http://schemas.microsoft.com/office/drawing/2010/main" xmlns="">
+              <a14:hiddenFill xmlns="" xmlns:a14="http://schemas.microsoft.com/office/drawing/2010/main">
                 <a:solidFill>
                   <a:srgbClr val="FFFFFF"/>
                 </a:solidFill>
               </a14:hiddenFill>
             </a:ext>
             <a:ext uri="{91240B29-F687-4f45-9708-019B960494DF}">
-              <a14:hiddenLine xmlns:a14="http://schemas.microsoft.com/office/drawing/2010/main" xmlns="" w="9525">
+              <a14:hiddenLine xmlns="" xmlns:a14="http://schemas.microsoft.com/office/drawing/2010/main" w="9525">
                 <a:solidFill>
                   <a:srgbClr val="000000"/>
                 </a:solidFill>
@@ -1987,7 +1987,7 @@
               </a14:hiddenLine>
             </a:ext>
             <a:ext uri="{AF507438-7753-43e0-B8FC-AC1667EBCBE1}">
-              <a14:hiddenEffects xmlns:a14="http://schemas.microsoft.com/office/drawing/2010/main" xmlns="">
+              <a14:hiddenEffects xmlns="" xmlns:a14="http://schemas.microsoft.com/office/drawing/2010/main">
                 <a:effectLst>
                   <a:outerShdw blurRad="63500" dist="38099" dir="2700000" algn="ctr" rotWithShape="0">
                     <a:schemeClr val="bg2">
@@ -2146,14 +2146,14 @@
           <a:noFill/>
           <a:extLst>
             <a:ext uri="{909E8E84-426E-40dd-AFC4-6F175D3DCCD1}">
-              <a14:hiddenFill xmlns:a14="http://schemas.microsoft.com/office/drawing/2010/main" xmlns="">
+              <a14:hiddenFill xmlns="" xmlns:a14="http://schemas.microsoft.com/office/drawing/2010/main">
                 <a:solidFill>
                   <a:srgbClr val="FFFFFF"/>
                 </a:solidFill>
               </a14:hiddenFill>
             </a:ext>
             <a:ext uri="{91240B29-F687-4f45-9708-019B960494DF}">
-              <a14:hiddenLine xmlns:a14="http://schemas.microsoft.com/office/drawing/2010/main" xmlns="" w="9525">
+              <a14:hiddenLine xmlns="" xmlns:a14="http://schemas.microsoft.com/office/drawing/2010/main" w="9525">
                 <a:solidFill>
                   <a:srgbClr val="000000"/>
                 </a:solidFill>
@@ -2163,7 +2163,7 @@
               </a14:hiddenLine>
             </a:ext>
             <a:ext uri="{AF507438-7753-43e0-B8FC-AC1667EBCBE1}">
-              <a14:hiddenEffects xmlns:a14="http://schemas.microsoft.com/office/drawing/2010/main" xmlns="">
+              <a14:hiddenEffects xmlns="" xmlns:a14="http://schemas.microsoft.com/office/drawing/2010/main">
                 <a:effectLst>
                   <a:outerShdw blurRad="63500" dist="38099" dir="2700000" algn="ctr" rotWithShape="0">
                     <a:schemeClr val="bg2">
@@ -2174,7 +2174,7 @@
               </a14:hiddenEffects>
             </a:ext>
             <a:ext uri="{FAA26D3D-D897-4be2-8F04-BA451C77F1D7}">
-              <ma14:placeholderFlag xmlns:ma14="http://schemas.microsoft.com/office/mac/drawingml/2011/main" xmlns="" val="1"/>
+              <ma14:placeholderFlag xmlns="" xmlns:ma14="http://schemas.microsoft.com/office/mac/drawingml/2011/main" val="1"/>
             </a:ext>
           </a:extLst>
         </p:spPr>
@@ -2228,14 +2228,14 @@
           <a:noFill/>
           <a:extLst>
             <a:ext uri="{909E8E84-426E-40dd-AFC4-6F175D3DCCD1}">
-              <a14:hiddenFill xmlns:a14="http://schemas.microsoft.com/office/drawing/2010/main" xmlns="">
+              <a14:hiddenFill xmlns="" xmlns:a14="http://schemas.microsoft.com/office/drawing/2010/main">
                 <a:solidFill>
                   <a:srgbClr val="FFFFFF"/>
                 </a:solidFill>
               </a14:hiddenFill>
             </a:ext>
             <a:ext uri="{91240B29-F687-4f45-9708-019B960494DF}">
-              <a14:hiddenLine xmlns:a14="http://schemas.microsoft.com/office/drawing/2010/main" xmlns="" w="9525">
+              <a14:hiddenLine xmlns="" xmlns:a14="http://schemas.microsoft.com/office/drawing/2010/main" w="9525">
                 <a:solidFill>
                   <a:srgbClr val="000000"/>
                 </a:solidFill>
@@ -2245,7 +2245,7 @@
               </a14:hiddenLine>
             </a:ext>
             <a:ext uri="{AF507438-7753-43e0-B8FC-AC1667EBCBE1}">
-              <a14:hiddenEffects xmlns:a14="http://schemas.microsoft.com/office/drawing/2010/main" xmlns="">
+              <a14:hiddenEffects xmlns="" xmlns:a14="http://schemas.microsoft.com/office/drawing/2010/main">
                 <a:effectLst>
                   <a:outerShdw blurRad="63500" dist="38099" dir="2700000" algn="ctr" rotWithShape="0">
                     <a:schemeClr val="bg2">
@@ -2404,14 +2404,14 @@
           <a:noFill/>
           <a:extLst>
             <a:ext uri="{909E8E84-426E-40dd-AFC4-6F175D3DCCD1}">
-              <a14:hiddenFill xmlns:a14="http://schemas.microsoft.com/office/drawing/2010/main" xmlns="">
+              <a14:hiddenFill xmlns="" xmlns:a14="http://schemas.microsoft.com/office/drawing/2010/main">
                 <a:solidFill>
                   <a:srgbClr val="FFFFFF"/>
                 </a:solidFill>
               </a14:hiddenFill>
             </a:ext>
             <a:ext uri="{91240B29-F687-4f45-9708-019B960494DF}">
-              <a14:hiddenLine xmlns:a14="http://schemas.microsoft.com/office/drawing/2010/main" xmlns="" w="9525">
+              <a14:hiddenLine xmlns="" xmlns:a14="http://schemas.microsoft.com/office/drawing/2010/main" w="9525">
                 <a:solidFill>
                   <a:srgbClr val="000000"/>
                 </a:solidFill>
@@ -2421,7 +2421,7 @@
               </a14:hiddenLine>
             </a:ext>
             <a:ext uri="{AF507438-7753-43e0-B8FC-AC1667EBCBE1}">
-              <a14:hiddenEffects xmlns:a14="http://schemas.microsoft.com/office/drawing/2010/main" xmlns="">
+              <a14:hiddenEffects xmlns="" xmlns:a14="http://schemas.microsoft.com/office/drawing/2010/main">
                 <a:effectLst>
                   <a:outerShdw blurRad="63500" dist="38099" dir="2700000" algn="ctr" rotWithShape="0">
                     <a:schemeClr val="bg2">
@@ -2432,7 +2432,7 @@
               </a14:hiddenEffects>
             </a:ext>
             <a:ext uri="{FAA26D3D-D897-4be2-8F04-BA451C77F1D7}">
-              <ma14:placeholderFlag xmlns:ma14="http://schemas.microsoft.com/office/mac/drawingml/2011/main" xmlns="" val="1"/>
+              <ma14:placeholderFlag xmlns="" xmlns:ma14="http://schemas.microsoft.com/office/mac/drawingml/2011/main" val="1"/>
             </a:ext>
           </a:extLst>
         </p:spPr>
@@ -2486,14 +2486,14 @@
           <a:noFill/>
           <a:extLst>
             <a:ext uri="{909E8E84-426E-40dd-AFC4-6F175D3DCCD1}">
-              <a14:hiddenFill xmlns:a14="http://schemas.microsoft.com/office/drawing/2010/main" xmlns="">
+              <a14:hiddenFill xmlns="" xmlns:a14="http://schemas.microsoft.com/office/drawing/2010/main">
                 <a:solidFill>
                   <a:srgbClr val="FFFFFF"/>
                 </a:solidFill>
               </a14:hiddenFill>
             </a:ext>
             <a:ext uri="{91240B29-F687-4f45-9708-019B960494DF}">
-              <a14:hiddenLine xmlns:a14="http://schemas.microsoft.com/office/drawing/2010/main" xmlns="" w="9525">
+              <a14:hiddenLine xmlns="" xmlns:a14="http://schemas.microsoft.com/office/drawing/2010/main" w="9525">
                 <a:solidFill>
                   <a:srgbClr val="000000"/>
                 </a:solidFill>
@@ -2503,7 +2503,7 @@
               </a14:hiddenLine>
             </a:ext>
             <a:ext uri="{AF507438-7753-43e0-B8FC-AC1667EBCBE1}">
-              <a14:hiddenEffects xmlns:a14="http://schemas.microsoft.com/office/drawing/2010/main" xmlns="">
+              <a14:hiddenEffects xmlns="" xmlns:a14="http://schemas.microsoft.com/office/drawing/2010/main">
                 <a:effectLst>
                   <a:outerShdw blurRad="63500" dist="38099" dir="2700000" algn="ctr" rotWithShape="0">
                     <a:schemeClr val="bg2">
@@ -2662,14 +2662,14 @@
           <a:noFill/>
           <a:extLst>
             <a:ext uri="{909E8E84-426E-40dd-AFC4-6F175D3DCCD1}">
-              <a14:hiddenFill xmlns:a14="http://schemas.microsoft.com/office/drawing/2010/main" xmlns="">
+              <a14:hiddenFill xmlns="" xmlns:a14="http://schemas.microsoft.com/office/drawing/2010/main">
                 <a:solidFill>
                   <a:srgbClr val="FFFFFF"/>
                 </a:solidFill>
               </a14:hiddenFill>
             </a:ext>
             <a:ext uri="{91240B29-F687-4f45-9708-019B960494DF}">
-              <a14:hiddenLine xmlns:a14="http://schemas.microsoft.com/office/drawing/2010/main" xmlns="" w="9525">
+              <a14:hiddenLine xmlns="" xmlns:a14="http://schemas.microsoft.com/office/drawing/2010/main" w="9525">
                 <a:solidFill>
                   <a:srgbClr val="000000"/>
                 </a:solidFill>
@@ -2679,7 +2679,7 @@
               </a14:hiddenLine>
             </a:ext>
             <a:ext uri="{AF507438-7753-43e0-B8FC-AC1667EBCBE1}">
-              <a14:hiddenEffects xmlns:a14="http://schemas.microsoft.com/office/drawing/2010/main" xmlns="">
+              <a14:hiddenEffects xmlns="" xmlns:a14="http://schemas.microsoft.com/office/drawing/2010/main">
                 <a:effectLst>
                   <a:outerShdw blurRad="63500" dist="38099" dir="2700000" algn="ctr" rotWithShape="0">
                     <a:schemeClr val="bg2">
@@ -2690,7 +2690,7 @@
               </a14:hiddenEffects>
             </a:ext>
             <a:ext uri="{FAA26D3D-D897-4be2-8F04-BA451C77F1D7}">
-              <ma14:placeholderFlag xmlns:ma14="http://schemas.microsoft.com/office/mac/drawingml/2011/main" xmlns="" val="1"/>
+              <ma14:placeholderFlag xmlns="" xmlns:ma14="http://schemas.microsoft.com/office/mac/drawingml/2011/main" val="1"/>
             </a:ext>
           </a:extLst>
         </p:spPr>
@@ -2758,7 +2758,7 @@
           <a:noFill/>
           <a:extLst>
             <a:ext uri="{AF507438-7753-43e0-B8FC-AC1667EBCBE1}">
-              <a14:hiddenEffects xmlns:a14="http://schemas.microsoft.com/office/drawing/2010/main" xmlns="">
+              <a14:hiddenEffects xmlns="" xmlns:a14="http://schemas.microsoft.com/office/drawing/2010/main">
                 <a:effectLst>
                   <a:outerShdw blurRad="63500" dist="38099" dir="2700000" algn="ctr" rotWithShape="0">
                     <a:schemeClr val="bg2">
@@ -2797,7 +2797,7 @@
           <a:noFill/>
           <a:extLst>
             <a:ext uri="{AF507438-7753-43e0-B8FC-AC1667EBCBE1}">
-              <a14:hiddenEffects xmlns:a14="http://schemas.microsoft.com/office/drawing/2010/main" xmlns="">
+              <a14:hiddenEffects xmlns="" xmlns:a14="http://schemas.microsoft.com/office/drawing/2010/main">
                 <a:effectLst>
                   <a:outerShdw blurRad="63500" dist="38099" dir="2700000" algn="ctr" rotWithShape="0">
                     <a:schemeClr val="bg2">
@@ -2967,7 +2967,7 @@
           <a:noFill/>
           <a:extLst>
             <a:ext uri="{AF507438-7753-43e0-B8FC-AC1667EBCBE1}">
-              <a14:hiddenEffects xmlns:a14="http://schemas.microsoft.com/office/drawing/2010/main" xmlns="">
+              <a14:hiddenEffects xmlns="" xmlns:a14="http://schemas.microsoft.com/office/drawing/2010/main">
                 <a:effectLst>
                   <a:outerShdw blurRad="63500" dist="38099" dir="2700000" algn="ctr" rotWithShape="0">
                     <a:schemeClr val="bg2">
@@ -3126,7 +3126,7 @@
           <a:noFill/>
           <a:extLst>
             <a:ext uri="{AF507438-7753-43e0-B8FC-AC1667EBCBE1}">
-              <a14:hiddenEffects xmlns:a14="http://schemas.microsoft.com/office/drawing/2010/main" xmlns="">
+              <a14:hiddenEffects xmlns="" xmlns:a14="http://schemas.microsoft.com/office/drawing/2010/main">
                 <a:effectLst>
                   <a:outerShdw blurRad="63500" dist="38099" dir="2700000" algn="ctr" rotWithShape="0">
                     <a:schemeClr val="bg2">
@@ -3137,7 +3137,7 @@
               </a14:hiddenEffects>
             </a:ext>
             <a:ext uri="{FAA26D3D-D897-4be2-8F04-BA451C77F1D7}">
-              <ma14:placeholderFlag xmlns:ma14="http://schemas.microsoft.com/office/mac/drawingml/2011/main" xmlns="" val="1"/>
+              <ma14:placeholderFlag xmlns="" xmlns:ma14="http://schemas.microsoft.com/office/mac/drawingml/2011/main" val="1"/>
             </a:ext>
           </a:extLst>
         </p:spPr>
@@ -3191,7 +3191,7 @@
           <a:noFill/>
           <a:extLst>
             <a:ext uri="{AF507438-7753-43e0-B8FC-AC1667EBCBE1}">
-              <a14:hiddenEffects xmlns:a14="http://schemas.microsoft.com/office/drawing/2010/main" xmlns="">
+              <a14:hiddenEffects xmlns="" xmlns:a14="http://schemas.microsoft.com/office/drawing/2010/main">
                 <a:effectLst>
                   <a:outerShdw blurRad="63500" dist="38099" dir="2700000" algn="ctr" rotWithShape="0">
                     <a:schemeClr val="bg2">
@@ -3350,7 +3350,7 @@
           <a:noFill/>
           <a:extLst>
             <a:ext uri="{AF507438-7753-43e0-B8FC-AC1667EBCBE1}">
-              <a14:hiddenEffects xmlns:a14="http://schemas.microsoft.com/office/drawing/2010/main" xmlns="">
+              <a14:hiddenEffects xmlns="" xmlns:a14="http://schemas.microsoft.com/office/drawing/2010/main">
                 <a:effectLst>
                   <a:outerShdw blurRad="63500" dist="38099" dir="2700000" algn="ctr" rotWithShape="0">
                     <a:schemeClr val="bg2">
@@ -3361,7 +3361,7 @@
               </a14:hiddenEffects>
             </a:ext>
             <a:ext uri="{FAA26D3D-D897-4be2-8F04-BA451C77F1D7}">
-              <ma14:placeholderFlag xmlns:ma14="http://schemas.microsoft.com/office/mac/drawingml/2011/main" xmlns="" val="1"/>
+              <ma14:placeholderFlag xmlns="" xmlns:ma14="http://schemas.microsoft.com/office/mac/drawingml/2011/main" val="1"/>
             </a:ext>
           </a:extLst>
         </p:spPr>
@@ -6537,14 +6537,14 @@
           <a:effectLst/>
           <a:extLst>
             <a:ext uri="{909E8E84-426E-40dd-AFC4-6F175D3DCCD1}">
-              <a14:hiddenFill xmlns:a14="http://schemas.microsoft.com/office/drawing/2010/main" xmlns="">
+              <a14:hiddenFill xmlns="" xmlns:a14="http://schemas.microsoft.com/office/drawing/2010/main">
                 <a:solidFill>
                   <a:schemeClr val="accent1"/>
                 </a:solidFill>
               </a14:hiddenFill>
             </a:ext>
             <a:ext uri="{91240B29-F687-4f45-9708-019B960494DF}">
-              <a14:hiddenLine xmlns:a14="http://schemas.microsoft.com/office/drawing/2010/main" xmlns="" w="9525">
+              <a14:hiddenLine xmlns="" xmlns:a14="http://schemas.microsoft.com/office/drawing/2010/main" w="9525">
                 <a:solidFill>
                   <a:schemeClr val="tx1"/>
                 </a:solidFill>
@@ -6554,7 +6554,7 @@
               </a14:hiddenLine>
             </a:ext>
             <a:ext uri="{AF507438-7753-43e0-B8FC-AC1667EBCBE1}">
-              <a14:hiddenEffects xmlns:a14="http://schemas.microsoft.com/office/drawing/2010/main" xmlns="">
+              <a14:hiddenEffects xmlns="" xmlns:a14="http://schemas.microsoft.com/office/drawing/2010/main">
                 <a:effectLst>
                   <a:outerShdw blurRad="63500" dist="38099" dir="2700000" algn="ctr" rotWithShape="0">
                     <a:schemeClr val="bg2">
@@ -6565,7 +6565,7 @@
               </a14:hiddenEffects>
             </a:ext>
             <a:ext uri="{FAA26D3D-D897-4be2-8F04-BA451C77F1D7}">
-              <ma14:placeholderFlag xmlns:ma14="http://schemas.microsoft.com/office/mac/drawingml/2011/main" xmlns="" val="1"/>
+              <ma14:placeholderFlag xmlns="" xmlns:ma14="http://schemas.microsoft.com/office/mac/drawingml/2011/main" val="1"/>
             </a:ext>
           </a:extLst>
         </p:spPr>
@@ -6610,14 +6610,14 @@
           <a:effectLst/>
           <a:extLst>
             <a:ext uri="{909E8E84-426E-40dd-AFC4-6F175D3DCCD1}">
-              <a14:hiddenFill xmlns:a14="http://schemas.microsoft.com/office/drawing/2010/main" xmlns="">
+              <a14:hiddenFill xmlns="" xmlns:a14="http://schemas.microsoft.com/office/drawing/2010/main">
                 <a:solidFill>
                   <a:schemeClr val="accent1"/>
                 </a:solidFill>
               </a14:hiddenFill>
             </a:ext>
             <a:ext uri="{91240B29-F687-4f45-9708-019B960494DF}">
-              <a14:hiddenLine xmlns:a14="http://schemas.microsoft.com/office/drawing/2010/main" xmlns="" w="9525">
+              <a14:hiddenLine xmlns="" xmlns:a14="http://schemas.microsoft.com/office/drawing/2010/main" w="9525">
                 <a:solidFill>
                   <a:schemeClr val="tx1"/>
                 </a:solidFill>
@@ -6627,7 +6627,7 @@
               </a14:hiddenLine>
             </a:ext>
             <a:ext uri="{AF507438-7753-43e0-B8FC-AC1667EBCBE1}">
-              <a14:hiddenEffects xmlns:a14="http://schemas.microsoft.com/office/drawing/2010/main" xmlns="">
+              <a14:hiddenEffects xmlns="" xmlns:a14="http://schemas.microsoft.com/office/drawing/2010/main">
                 <a:effectLst>
                   <a:outerShdw blurRad="63500" dist="38099" dir="2700000" algn="ctr" rotWithShape="0">
                     <a:schemeClr val="bg2">
@@ -6638,7 +6638,7 @@
               </a14:hiddenEffects>
             </a:ext>
             <a:ext uri="{FAA26D3D-D897-4be2-8F04-BA451C77F1D7}">
-              <ma14:placeholderFlag xmlns:ma14="http://schemas.microsoft.com/office/mac/drawingml/2011/main" xmlns="" val="1"/>
+              <ma14:placeholderFlag xmlns="" xmlns:ma14="http://schemas.microsoft.com/office/mac/drawingml/2011/main" val="1"/>
             </a:ext>
           </a:extLst>
         </p:spPr>
@@ -6711,14 +6711,14 @@
           <a:effectLst/>
           <a:extLst>
             <a:ext uri="{909E8E84-426E-40dd-AFC4-6F175D3DCCD1}">
-              <a14:hiddenFill xmlns:a14="http://schemas.microsoft.com/office/drawing/2010/main" xmlns="">
+              <a14:hiddenFill xmlns="" xmlns:a14="http://schemas.microsoft.com/office/drawing/2010/main">
                 <a:solidFill>
                   <a:schemeClr val="accent1"/>
                 </a:solidFill>
               </a14:hiddenFill>
             </a:ext>
             <a:ext uri="{91240B29-F687-4f45-9708-019B960494DF}">
-              <a14:hiddenLine xmlns:a14="http://schemas.microsoft.com/office/drawing/2010/main" xmlns="" w="9525">
+              <a14:hiddenLine xmlns="" xmlns:a14="http://schemas.microsoft.com/office/drawing/2010/main" w="9525">
                 <a:solidFill>
                   <a:schemeClr val="tx1"/>
                 </a:solidFill>
@@ -6728,7 +6728,7 @@
               </a14:hiddenLine>
             </a:ext>
             <a:ext uri="{AF507438-7753-43e0-B8FC-AC1667EBCBE1}">
-              <a14:hiddenEffects xmlns:a14="http://schemas.microsoft.com/office/drawing/2010/main" xmlns="">
+              <a14:hiddenEffects xmlns="" xmlns:a14="http://schemas.microsoft.com/office/drawing/2010/main">
                 <a:effectLst>
                   <a:outerShdw dist="35921" dir="2700000" algn="ctr" rotWithShape="0">
                     <a:schemeClr val="bg2"/>
@@ -6791,14 +6791,14 @@
           <a:effectLst/>
           <a:extLst>
             <a:ext uri="{909E8E84-426E-40dd-AFC4-6F175D3DCCD1}">
-              <a14:hiddenFill xmlns:a14="http://schemas.microsoft.com/office/drawing/2010/main" xmlns="">
+              <a14:hiddenFill xmlns="" xmlns:a14="http://schemas.microsoft.com/office/drawing/2010/main">
                 <a:solidFill>
                   <a:schemeClr val="accent1"/>
                 </a:solidFill>
               </a14:hiddenFill>
             </a:ext>
             <a:ext uri="{91240B29-F687-4f45-9708-019B960494DF}">
-              <a14:hiddenLine xmlns:a14="http://schemas.microsoft.com/office/drawing/2010/main" xmlns="" w="9525">
+              <a14:hiddenLine xmlns="" xmlns:a14="http://schemas.microsoft.com/office/drawing/2010/main" w="9525">
                 <a:solidFill>
                   <a:schemeClr val="tx1"/>
                 </a:solidFill>
@@ -6808,7 +6808,7 @@
               </a14:hiddenLine>
             </a:ext>
             <a:ext uri="{AF507438-7753-43e0-B8FC-AC1667EBCBE1}">
-              <a14:hiddenEffects xmlns:a14="http://schemas.microsoft.com/office/drawing/2010/main" xmlns="">
+              <a14:hiddenEffects xmlns="" xmlns:a14="http://schemas.microsoft.com/office/drawing/2010/main">
                 <a:effectLst>
                   <a:outerShdw dist="35921" dir="2700000" algn="ctr" rotWithShape="0">
                     <a:schemeClr val="bg2"/>
@@ -6871,14 +6871,14 @@
           <a:effectLst/>
           <a:extLst>
             <a:ext uri="{909E8E84-426E-40dd-AFC4-6F175D3DCCD1}">
-              <a14:hiddenFill xmlns:a14="http://schemas.microsoft.com/office/drawing/2010/main" xmlns="">
+              <a14:hiddenFill xmlns="" xmlns:a14="http://schemas.microsoft.com/office/drawing/2010/main">
                 <a:solidFill>
                   <a:schemeClr val="accent1"/>
                 </a:solidFill>
               </a14:hiddenFill>
             </a:ext>
             <a:ext uri="{91240B29-F687-4f45-9708-019B960494DF}">
-              <a14:hiddenLine xmlns:a14="http://schemas.microsoft.com/office/drawing/2010/main" xmlns="" w="9525">
+              <a14:hiddenLine xmlns="" xmlns:a14="http://schemas.microsoft.com/office/drawing/2010/main" w="9525">
                 <a:solidFill>
                   <a:schemeClr val="tx1"/>
                 </a:solidFill>
@@ -6888,7 +6888,7 @@
               </a14:hiddenLine>
             </a:ext>
             <a:ext uri="{AF507438-7753-43e0-B8FC-AC1667EBCBE1}">
-              <a14:hiddenEffects xmlns:a14="http://schemas.microsoft.com/office/drawing/2010/main" xmlns="">
+              <a14:hiddenEffects xmlns="" xmlns:a14="http://schemas.microsoft.com/office/drawing/2010/main">
                 <a:effectLst>
                   <a:outerShdw dist="35921" dir="2700000" algn="ctr" rotWithShape="0">
                     <a:schemeClr val="bg2"/>
@@ -7530,7 +7530,7 @@
           <a:noFill/>
           <a:extLst>
             <a:ext uri="{AF507438-7753-43e0-B8FC-AC1667EBCBE1}">
-              <a14:hiddenEffects xmlns:a14="http://schemas.microsoft.com/office/drawing/2010/main" xmlns="">
+              <a14:hiddenEffects xmlns="" xmlns:a14="http://schemas.microsoft.com/office/drawing/2010/main">
                 <a:effectLst>
                   <a:outerShdw blurRad="63500" dist="38099" dir="2700000" algn="ctr" rotWithShape="0">
                     <a:schemeClr val="bg2">
@@ -7681,7 +7681,7 @@
           <a:noFill/>
           <a:extLst>
             <a:ext uri="{AF507438-7753-43e0-B8FC-AC1667EBCBE1}">
-              <a14:hiddenEffects xmlns:a14="http://schemas.microsoft.com/office/drawing/2010/main" xmlns="">
+              <a14:hiddenEffects xmlns="" xmlns:a14="http://schemas.microsoft.com/office/drawing/2010/main">
                 <a:effectLst>
                   <a:outerShdw blurRad="63500" dist="38099" dir="2700000" algn="ctr" rotWithShape="0">
                     <a:schemeClr val="bg2">
@@ -7832,7 +7832,7 @@
           <a:noFill/>
           <a:extLst>
             <a:ext uri="{AF507438-7753-43e0-B8FC-AC1667EBCBE1}">
-              <a14:hiddenEffects xmlns:a14="http://schemas.microsoft.com/office/drawing/2010/main" xmlns="">
+              <a14:hiddenEffects xmlns="" xmlns:a14="http://schemas.microsoft.com/office/drawing/2010/main">
                 <a:effectLst>
                   <a:outerShdw blurRad="63500" dist="38099" dir="2700000" algn="ctr" rotWithShape="0">
                     <a:schemeClr val="bg2">
@@ -7977,9 +7977,15 @@
       </p:sp>
       <p:pic>
         <p:nvPicPr>
-          <p:cNvPr id="22534" name="Picture 2" descr="Image result for math miracle occurs"/>
+          <p:cNvPr id="3" name="Picture 2">
+            <a:extLst>
+              <a:ext uri="{FF2B5EF4-FFF2-40B4-BE49-F238E27FC236}">
+                <a16:creationId xmlns:a16="http://schemas.microsoft.com/office/drawing/2014/main" id="{36E4A30E-F443-0CFF-8906-F7636FBF2D2E}"/>
+              </a:ext>
+            </a:extLst>
+          </p:cNvPr>
           <p:cNvPicPr>
-            <a:picLocks noChangeAspect="1" noChangeArrowheads="1"/>
+            <a:picLocks noChangeAspect="1"/>
           </p:cNvPicPr>
           <p:nvPr/>
         </p:nvPicPr>
@@ -7991,42 +7997,18 @@
               </a:ext>
             </a:extLst>
           </a:blip>
-          <a:srcRect/>
           <a:stretch>
             <a:fillRect/>
           </a:stretch>
         </p:blipFill>
-        <p:spPr bwMode="auto">
+        <p:spPr>
           <a:xfrm>
-            <a:off x="1952625" y="1143000"/>
-            <a:ext cx="5238750" cy="5238750"/>
+            <a:off x="2659313" y="2357895"/>
+            <a:ext cx="3825374" cy="2142209"/>
           </a:xfrm>
           <a:prstGeom prst="rect">
             <a:avLst/>
           </a:prstGeom>
-          <a:noFill/>
-          <a:ln>
-            <a:noFill/>
-          </a:ln>
-          <a:extLst>
-            <a:ext uri="{909E8E84-426E-40dd-AFC4-6F175D3DCCD1}">
-              <a14:hiddenFill xmlns:a14="http://schemas.microsoft.com/office/drawing/2010/main" xmlns="">
-                <a:solidFill>
-                  <a:srgbClr val="FFFFFF"/>
-                </a:solidFill>
-              </a14:hiddenFill>
-            </a:ext>
-            <a:ext uri="{91240B29-F687-4f45-9708-019B960494DF}">
-              <a14:hiddenLine xmlns:a14="http://schemas.microsoft.com/office/drawing/2010/main" xmlns="" w="9525">
-                <a:solidFill>
-                  <a:srgbClr val="000000"/>
-                </a:solidFill>
-                <a:miter lim="800000"/>
-                <a:headEnd/>
-                <a:tailEnd/>
-              </a14:hiddenLine>
-            </a:ext>
-          </a:extLst>
         </p:spPr>
       </p:pic>
     </p:spTree>
@@ -8229,14 +8211,14 @@
           </a:ln>
           <a:extLst>
             <a:ext uri="{909E8E84-426E-40dd-AFC4-6F175D3DCCD1}">
-              <a14:hiddenFill xmlns:a14="http://schemas.microsoft.com/office/drawing/2010/main" xmlns="">
+              <a14:hiddenFill xmlns="" xmlns:a14="http://schemas.microsoft.com/office/drawing/2010/main">
                 <a:solidFill>
                   <a:srgbClr val="FFFFFF"/>
                 </a:solidFill>
               </a14:hiddenFill>
             </a:ext>
             <a:ext uri="{91240B29-F687-4f45-9708-019B960494DF}">
-              <a14:hiddenLine xmlns:a14="http://schemas.microsoft.com/office/drawing/2010/main" xmlns="" w="9525">
+              <a14:hiddenLine xmlns="" xmlns:a14="http://schemas.microsoft.com/office/drawing/2010/main" w="9525">
                 <a:solidFill>
                   <a:srgbClr val="000000"/>
                 </a:solidFill>
@@ -8378,14 +8360,14 @@
           </a:ln>
           <a:extLst>
             <a:ext uri="{909E8E84-426E-40dd-AFC4-6F175D3DCCD1}">
-              <a14:hiddenFill xmlns:a14="http://schemas.microsoft.com/office/drawing/2010/main" xmlns="">
+              <a14:hiddenFill xmlns="" xmlns:a14="http://schemas.microsoft.com/office/drawing/2010/main">
                 <a:solidFill>
                   <a:srgbClr val="FFFFFF"/>
                 </a:solidFill>
               </a14:hiddenFill>
             </a:ext>
             <a:ext uri="{91240B29-F687-4f45-9708-019B960494DF}">
-              <a14:hiddenLine xmlns:a14="http://schemas.microsoft.com/office/drawing/2010/main" xmlns="" w="9525">
+              <a14:hiddenLine xmlns="" xmlns:a14="http://schemas.microsoft.com/office/drawing/2010/main" w="9525">
                 <a:solidFill>
                   <a:srgbClr val="000000"/>
                 </a:solidFill>
@@ -8432,14 +8414,14 @@
           </a:ln>
           <a:extLst>
             <a:ext uri="{909E8E84-426E-40dd-AFC4-6F175D3DCCD1}">
-              <a14:hiddenFill xmlns:a14="http://schemas.microsoft.com/office/drawing/2010/main" xmlns="">
+              <a14:hiddenFill xmlns="" xmlns:a14="http://schemas.microsoft.com/office/drawing/2010/main">
                 <a:solidFill>
                   <a:srgbClr val="FFFFFF"/>
                 </a:solidFill>
               </a14:hiddenFill>
             </a:ext>
             <a:ext uri="{91240B29-F687-4f45-9708-019B960494DF}">
-              <a14:hiddenLine xmlns:a14="http://schemas.microsoft.com/office/drawing/2010/main" xmlns="" w="9525">
+              <a14:hiddenLine xmlns="" xmlns:a14="http://schemas.microsoft.com/office/drawing/2010/main" w="9525">
                 <a:solidFill>
                   <a:srgbClr val="000000"/>
                 </a:solidFill>
@@ -8486,14 +8468,14 @@
           </a:ln>
           <a:extLst>
             <a:ext uri="{909E8E84-426E-40dd-AFC4-6F175D3DCCD1}">
-              <a14:hiddenFill xmlns:a14="http://schemas.microsoft.com/office/drawing/2010/main" xmlns="">
+              <a14:hiddenFill xmlns="" xmlns:a14="http://schemas.microsoft.com/office/drawing/2010/main">
                 <a:solidFill>
                   <a:srgbClr val="FFFFFF"/>
                 </a:solidFill>
               </a14:hiddenFill>
             </a:ext>
             <a:ext uri="{91240B29-F687-4f45-9708-019B960494DF}">
-              <a14:hiddenLine xmlns:a14="http://schemas.microsoft.com/office/drawing/2010/main" xmlns="" w="9525">
+              <a14:hiddenLine xmlns="" xmlns:a14="http://schemas.microsoft.com/office/drawing/2010/main" w="9525">
                 <a:solidFill>
                   <a:srgbClr val="000000"/>
                 </a:solidFill>
@@ -8615,14 +8597,14 @@
             </a:ln>
             <a:extLst>
               <a:ext uri="{909E8E84-426E-40dd-AFC4-6F175D3DCCD1}">
-                <a14:hiddenFill xmlns:a14="http://schemas.microsoft.com/office/drawing/2010/main" xmlns="">
+                <a14:hiddenFill xmlns="" xmlns:a14="http://schemas.microsoft.com/office/drawing/2010/main">
                   <a:solidFill>
                     <a:srgbClr val="FFFFFF"/>
                   </a:solidFill>
                 </a14:hiddenFill>
               </a:ext>
               <a:ext uri="{91240B29-F687-4f45-9708-019B960494DF}">
-                <a14:hiddenLine xmlns:a14="http://schemas.microsoft.com/office/drawing/2010/main" xmlns="" w="9525">
+                <a14:hiddenLine xmlns="" xmlns:a14="http://schemas.microsoft.com/office/drawing/2010/main" w="9525">
                   <a:solidFill>
                     <a:srgbClr val="000000"/>
                   </a:solidFill>
@@ -8782,14 +8764,14 @@
             </a:ln>
             <a:extLst>
               <a:ext uri="{909E8E84-426E-40dd-AFC4-6F175D3DCCD1}">
-                <a14:hiddenFill xmlns:a14="http://schemas.microsoft.com/office/drawing/2010/main" xmlns="">
+                <a14:hiddenFill xmlns="" xmlns:a14="http://schemas.microsoft.com/office/drawing/2010/main">
                   <a:solidFill>
                     <a:srgbClr val="FFFFFF"/>
                   </a:solidFill>
                 </a14:hiddenFill>
               </a:ext>
               <a:ext uri="{91240B29-F687-4f45-9708-019B960494DF}">
-                <a14:hiddenLine xmlns:a14="http://schemas.microsoft.com/office/drawing/2010/main" xmlns="" w="9525">
+                <a14:hiddenLine xmlns="" xmlns:a14="http://schemas.microsoft.com/office/drawing/2010/main" w="9525">
                   <a:solidFill>
                     <a:srgbClr val="000000"/>
                   </a:solidFill>
@@ -10256,7 +10238,7 @@
           <a:noFill/>
           <a:extLst>
             <a:ext uri="{AF507438-7753-43e0-B8FC-AC1667EBCBE1}">
-              <a14:hiddenEffects xmlns:a14="http://schemas.microsoft.com/office/drawing/2010/main" xmlns="">
+              <a14:hiddenEffects xmlns="" xmlns:a14="http://schemas.microsoft.com/office/drawing/2010/main">
                 <a:effectLst>
                   <a:outerShdw blurRad="63500" dist="38099" dir="2700000" algn="ctr" rotWithShape="0">
                     <a:schemeClr val="bg2">
@@ -10407,7 +10389,7 @@
           <a:noFill/>
           <a:extLst>
             <a:ext uri="{AF507438-7753-43e0-B8FC-AC1667EBCBE1}">
-              <a14:hiddenEffects xmlns:a14="http://schemas.microsoft.com/office/drawing/2010/main" xmlns="">
+              <a14:hiddenEffects xmlns="" xmlns:a14="http://schemas.microsoft.com/office/drawing/2010/main">
                 <a:effectLst>
                   <a:outerShdw blurRad="63500" dist="38099" dir="2700000" algn="ctr" rotWithShape="0">
                     <a:schemeClr val="bg2">
@@ -10558,7 +10540,7 @@
           <a:noFill/>
           <a:extLst>
             <a:ext uri="{AF507438-7753-43e0-B8FC-AC1667EBCBE1}">
-              <a14:hiddenEffects xmlns:a14="http://schemas.microsoft.com/office/drawing/2010/main" xmlns="">
+              <a14:hiddenEffects xmlns="" xmlns:a14="http://schemas.microsoft.com/office/drawing/2010/main">
                 <a:effectLst>
                   <a:outerShdw blurRad="63500" dist="38099" dir="2700000" algn="ctr" rotWithShape="0">
                     <a:schemeClr val="bg2">
@@ -10748,19 +10730,25 @@
           <a:p>
             <a:pPr eaLnBrk="1" hangingPunct="1"/>
             <a:r>
-              <a:rPr lang="en-US" sz="2400">
-                <a:latin typeface="Arial" charset="0"/>
-              </a:rPr>
-              <a:t>Eigenanalysis transforms the correlation matrix, </a:t>
-            </a:r>
-            <a:r>
-              <a:rPr lang="en-US" sz="2400" b="1">
+              <a:rPr lang="en-US" sz="2400" dirty="0" err="1">
+                <a:latin typeface="Arial" charset="0"/>
+              </a:rPr>
+              <a:t>Eigenanalysis</a:t>
+            </a:r>
+            <a:r>
+              <a:rPr lang="en-US" sz="2400" dirty="0">
+                <a:latin typeface="Arial" charset="0"/>
+              </a:rPr>
+              <a:t> transforms the correlation matrix, </a:t>
+            </a:r>
+            <a:r>
+              <a:rPr lang="en-US" sz="2400" b="1" dirty="0">
                 <a:latin typeface="Arial" charset="0"/>
               </a:rPr>
               <a:t>R</a:t>
             </a:r>
             <a:r>
-              <a:rPr lang="en-US" sz="2400">
+              <a:rPr lang="en-US" sz="2400" dirty="0">
                 <a:latin typeface="Arial" charset="0"/>
               </a:rPr>
               <a:t>, to a series of components with successively less contribution to the total variance</a:t>
@@ -10769,31 +10757,31 @@
           <a:p>
             <a:pPr eaLnBrk="1" hangingPunct="1"/>
             <a:r>
-              <a:rPr lang="en-US" sz="2400">
+              <a:rPr lang="en-US" sz="2400" dirty="0">
                 <a:latin typeface="Arial" charset="0"/>
               </a:rPr>
               <a:t>The vector of </a:t>
             </a:r>
             <a:r>
-              <a:rPr lang="en-US" sz="2400" u="sng">
+              <a:rPr lang="en-US" sz="2400" u="sng" dirty="0">
                 <a:latin typeface="Arial" charset="0"/>
               </a:rPr>
               <a:t>eigenvalues</a:t>
             </a:r>
             <a:r>
-              <a:rPr lang="en-US" sz="2400">
+              <a:rPr lang="en-US" sz="2400" dirty="0">
                 <a:latin typeface="Arial" charset="0"/>
               </a:rPr>
               <a:t> (</a:t>
             </a:r>
             <a:r>
-              <a:rPr lang="en-US" sz="2400" b="1">
+              <a:rPr lang="en-US" sz="2400" b="1" dirty="0">
                 <a:latin typeface="Arial" charset="0"/>
               </a:rPr>
               <a:t>L</a:t>
             </a:r>
             <a:r>
-              <a:rPr lang="en-US" sz="2400">
+              <a:rPr lang="en-US" sz="2400" dirty="0">
                 <a:latin typeface="Arial" charset="0"/>
               </a:rPr>
               <a:t>) has elements that correspond to the amount of total variance explained by each component.</a:t>
@@ -10802,43 +10790,43 @@
           <a:p>
             <a:pPr eaLnBrk="1" hangingPunct="1"/>
             <a:r>
-              <a:rPr lang="en-US" sz="2400">
+              <a:rPr lang="en-US" sz="2400" dirty="0">
                 <a:latin typeface="Arial" charset="0"/>
               </a:rPr>
               <a:t>The matrix of </a:t>
             </a:r>
             <a:r>
-              <a:rPr lang="en-US" sz="2400" u="sng">
+              <a:rPr lang="en-US" sz="2400" u="sng" dirty="0">
                 <a:latin typeface="Arial" charset="0"/>
               </a:rPr>
               <a:t>eigenvectors</a:t>
             </a:r>
             <a:r>
-              <a:rPr lang="en-US" sz="2400">
+              <a:rPr lang="en-US" sz="2400" dirty="0">
                 <a:latin typeface="Arial" charset="0"/>
               </a:rPr>
               <a:t> (</a:t>
             </a:r>
             <a:r>
-              <a:rPr lang="en-US" sz="2400" b="1">
+              <a:rPr lang="en-US" sz="2400" b="1" dirty="0">
                 <a:latin typeface="Arial" charset="0"/>
               </a:rPr>
               <a:t>V</a:t>
             </a:r>
             <a:r>
-              <a:rPr lang="en-US" sz="2400">
+              <a:rPr lang="en-US" sz="2400" dirty="0">
                 <a:latin typeface="Arial" charset="0"/>
               </a:rPr>
               <a:t>) can be used to transform the data matrix to principal component scores (</a:t>
             </a:r>
             <a:r>
-              <a:rPr lang="en-US" sz="2400" b="1">
+              <a:rPr lang="en-US" sz="2400" b="1" dirty="0">
                 <a:latin typeface="Arial" charset="0"/>
               </a:rPr>
               <a:t>P</a:t>
             </a:r>
             <a:r>
-              <a:rPr lang="en-US" sz="2400">
+              <a:rPr lang="en-US" sz="2400" dirty="0">
                 <a:latin typeface="Arial" charset="0"/>
               </a:rPr>
               <a:t>).</a:t>
@@ -10846,13 +10834,13 @@
           </a:p>
           <a:p>
             <a:pPr eaLnBrk="1" hangingPunct="1"/>
-            <a:endParaRPr lang="en-US" sz="2400">
+            <a:endParaRPr lang="en-US" sz="2400" dirty="0">
               <a:latin typeface="Arial" charset="0"/>
             </a:endParaRPr>
           </a:p>
           <a:p>
             <a:pPr eaLnBrk="1" hangingPunct="1"/>
-            <a:endParaRPr lang="en-US" sz="2400">
+            <a:endParaRPr lang="en-US" sz="2400" dirty="0">
               <a:latin typeface="Arial" charset="0"/>
             </a:endParaRPr>
           </a:p>
@@ -10919,14 +10907,14 @@
                       <a:effectLst/>
                       <a:extLst>
                         <a:ext uri="{909E8E84-426E-40dd-AFC4-6F175D3DCCD1}">
-                          <a14:hiddenFill xmlns:a14="http://schemas.microsoft.com/office/drawing/2010/main" xmlns="">
+                          <a14:hiddenFill xmlns="" xmlns:a14="http://schemas.microsoft.com/office/drawing/2010/main">
                             <a:solidFill>
                               <a:srgbClr val="FFFFFF"/>
                             </a:solidFill>
                           </a14:hiddenFill>
                         </a:ext>
                         <a:ext uri="{91240B29-F687-4f45-9708-019B960494DF}">
-                          <a14:hiddenLine xmlns:a14="http://schemas.microsoft.com/office/drawing/2010/main" xmlns="" w="9525">
+                          <a14:hiddenLine xmlns="" xmlns:a14="http://schemas.microsoft.com/office/drawing/2010/main" w="9525">
                             <a:solidFill>
                               <a:srgbClr val="000000"/>
                             </a:solidFill>
@@ -10936,7 +10924,7 @@
                           </a14:hiddenLine>
                         </a:ext>
                         <a:ext uri="{AF507438-7753-43e0-B8FC-AC1667EBCBE1}">
-                          <a14:hiddenEffects xmlns:a14="http://schemas.microsoft.com/office/drawing/2010/main" xmlns="">
+                          <a14:hiddenEffects xmlns="" xmlns:a14="http://schemas.microsoft.com/office/drawing/2010/main">
                             <a:effectLst>
                               <a:outerShdw dist="35921" dir="2700000" algn="ctr" rotWithShape="0">
                                 <a:srgbClr val="808080"/>
@@ -10992,7 +10980,7 @@
           <a:noFill/>
           <a:extLst>
             <a:ext uri="{AF507438-7753-43e0-B8FC-AC1667EBCBE1}">
-              <a14:hiddenEffects xmlns:a14="http://schemas.microsoft.com/office/drawing/2010/main" xmlns="">
+              <a14:hiddenEffects xmlns="" xmlns:a14="http://schemas.microsoft.com/office/drawing/2010/main">
                 <a:effectLst>
                   <a:outerShdw blurRad="63500" dist="38099" dir="2700000" algn="ctr" rotWithShape="0">
                     <a:schemeClr val="bg2">
@@ -11143,7 +11131,7 @@
           <a:noFill/>
           <a:extLst>
             <a:ext uri="{AF507438-7753-43e0-B8FC-AC1667EBCBE1}">
-              <a14:hiddenEffects xmlns:a14="http://schemas.microsoft.com/office/drawing/2010/main" xmlns="">
+              <a14:hiddenEffects xmlns="" xmlns:a14="http://schemas.microsoft.com/office/drawing/2010/main">
                 <a:effectLst>
                   <a:outerShdw blurRad="63500" dist="38099" dir="2700000" algn="ctr" rotWithShape="0">
                     <a:schemeClr val="bg2">
@@ -11294,7 +11282,7 @@
           <a:noFill/>
           <a:extLst>
             <a:ext uri="{AF507438-7753-43e0-B8FC-AC1667EBCBE1}">
-              <a14:hiddenEffects xmlns:a14="http://schemas.microsoft.com/office/drawing/2010/main" xmlns="">
+              <a14:hiddenEffects xmlns="" xmlns:a14="http://schemas.microsoft.com/office/drawing/2010/main">
                 <a:effectLst>
                   <a:outerShdw blurRad="63500" dist="38099" dir="2700000" algn="ctr" rotWithShape="0">
                     <a:schemeClr val="bg2">
@@ -11622,14 +11610,14 @@
                       <a:effectLst/>
                       <a:extLst>
                         <a:ext uri="{909E8E84-426E-40dd-AFC4-6F175D3DCCD1}">
-                          <a14:hiddenFill xmlns:a14="http://schemas.microsoft.com/office/drawing/2010/main" xmlns="">
+                          <a14:hiddenFill xmlns="" xmlns:a14="http://schemas.microsoft.com/office/drawing/2010/main">
                             <a:solidFill>
                               <a:srgbClr val="FFFFFF"/>
                             </a:solidFill>
                           </a14:hiddenFill>
                         </a:ext>
                         <a:ext uri="{91240B29-F687-4f45-9708-019B960494DF}">
-                          <a14:hiddenLine xmlns:a14="http://schemas.microsoft.com/office/drawing/2010/main" xmlns="" w="9525">
+                          <a14:hiddenLine xmlns="" xmlns:a14="http://schemas.microsoft.com/office/drawing/2010/main" w="9525">
                             <a:solidFill>
                               <a:srgbClr val="000000"/>
                             </a:solidFill>
@@ -11639,7 +11627,7 @@
                           </a14:hiddenLine>
                         </a:ext>
                         <a:ext uri="{AF507438-7753-43e0-B8FC-AC1667EBCBE1}">
-                          <a14:hiddenEffects xmlns:a14="http://schemas.microsoft.com/office/drawing/2010/main" xmlns="">
+                          <a14:hiddenEffects xmlns="" xmlns:a14="http://schemas.microsoft.com/office/drawing/2010/main">
                             <a:effectLst>
                               <a:outerShdw dist="35921" dir="2700000" algn="ctr" rotWithShape="0">
                                 <a:srgbClr val="808080"/>
@@ -11695,7 +11683,7 @@
           <a:noFill/>
           <a:extLst>
             <a:ext uri="{AF507438-7753-43e0-B8FC-AC1667EBCBE1}">
-              <a14:hiddenEffects xmlns:a14="http://schemas.microsoft.com/office/drawing/2010/main" xmlns="">
+              <a14:hiddenEffects xmlns="" xmlns:a14="http://schemas.microsoft.com/office/drawing/2010/main">
                 <a:effectLst>
                   <a:outerShdw blurRad="63500" dist="38099" dir="2700000" algn="ctr" rotWithShape="0">
                     <a:schemeClr val="bg2">
@@ -11846,7 +11834,7 @@
           <a:noFill/>
           <a:extLst>
             <a:ext uri="{AF507438-7753-43e0-B8FC-AC1667EBCBE1}">
-              <a14:hiddenEffects xmlns:a14="http://schemas.microsoft.com/office/drawing/2010/main" xmlns="">
+              <a14:hiddenEffects xmlns="" xmlns:a14="http://schemas.microsoft.com/office/drawing/2010/main">
                 <a:effectLst>
                   <a:outerShdw blurRad="63500" dist="38099" dir="2700000" algn="ctr" rotWithShape="0">
                     <a:schemeClr val="bg2">
@@ -11997,7 +11985,7 @@
           <a:noFill/>
           <a:extLst>
             <a:ext uri="{AF507438-7753-43e0-B8FC-AC1667EBCBE1}">
-              <a14:hiddenEffects xmlns:a14="http://schemas.microsoft.com/office/drawing/2010/main" xmlns="">
+              <a14:hiddenEffects xmlns="" xmlns:a14="http://schemas.microsoft.com/office/drawing/2010/main">
                 <a:effectLst>
                   <a:outerShdw blurRad="63500" dist="38099" dir="2700000" algn="ctr" rotWithShape="0">
                     <a:schemeClr val="bg2">
@@ -12188,14 +12176,14 @@
           <a:effectLst/>
           <a:extLst>
             <a:ext uri="{909E8E84-426E-40dd-AFC4-6F175D3DCCD1}">
-              <a14:hiddenFill xmlns:a14="http://schemas.microsoft.com/office/drawing/2010/main" xmlns="">
+              <a14:hiddenFill xmlns="" xmlns:a14="http://schemas.microsoft.com/office/drawing/2010/main">
                 <a:solidFill>
                   <a:schemeClr val="accent1"/>
                 </a:solidFill>
               </a14:hiddenFill>
             </a:ext>
             <a:ext uri="{91240B29-F687-4f45-9708-019B960494DF}">
-              <a14:hiddenLine xmlns:a14="http://schemas.microsoft.com/office/drawing/2010/main" xmlns="" w="9525">
+              <a14:hiddenLine xmlns="" xmlns:a14="http://schemas.microsoft.com/office/drawing/2010/main" w="9525">
                 <a:solidFill>
                   <a:schemeClr val="tx1"/>
                 </a:solidFill>
@@ -12205,7 +12193,7 @@
               </a14:hiddenLine>
             </a:ext>
             <a:ext uri="{AF507438-7753-43e0-B8FC-AC1667EBCBE1}">
-              <a14:hiddenEffects xmlns:a14="http://schemas.microsoft.com/office/drawing/2010/main" xmlns="">
+              <a14:hiddenEffects xmlns="" xmlns:a14="http://schemas.microsoft.com/office/drawing/2010/main">
                 <a:effectLst>
                   <a:outerShdw blurRad="63500" dist="38099" dir="2700000" algn="ctr" rotWithShape="0">
                     <a:schemeClr val="bg2">
@@ -12531,14 +12519,14 @@
           <a:effectLst/>
           <a:extLst>
             <a:ext uri="{909E8E84-426E-40dd-AFC4-6F175D3DCCD1}">
-              <a14:hiddenFill xmlns:a14="http://schemas.microsoft.com/office/drawing/2010/main" xmlns="">
+              <a14:hiddenFill xmlns="" xmlns:a14="http://schemas.microsoft.com/office/drawing/2010/main">
                 <a:solidFill>
                   <a:schemeClr val="accent1"/>
                 </a:solidFill>
               </a14:hiddenFill>
             </a:ext>
             <a:ext uri="{91240B29-F687-4f45-9708-019B960494DF}">
-              <a14:hiddenLine xmlns:a14="http://schemas.microsoft.com/office/drawing/2010/main" xmlns="" w="9525">
+              <a14:hiddenLine xmlns="" xmlns:a14="http://schemas.microsoft.com/office/drawing/2010/main" w="9525">
                 <a:solidFill>
                   <a:schemeClr val="tx1"/>
                 </a:solidFill>
@@ -12548,7 +12536,7 @@
               </a14:hiddenLine>
             </a:ext>
             <a:ext uri="{AF507438-7753-43e0-B8FC-AC1667EBCBE1}">
-              <a14:hiddenEffects xmlns:a14="http://schemas.microsoft.com/office/drawing/2010/main" xmlns="">
+              <a14:hiddenEffects xmlns="" xmlns:a14="http://schemas.microsoft.com/office/drawing/2010/main">
                 <a:effectLst>
                   <a:outerShdw blurRad="63500" dist="38099" dir="2700000" algn="ctr" rotWithShape="0">
                     <a:schemeClr val="bg2">
@@ -13089,7 +13077,7 @@
           <a:noFill/>
           <a:extLst>
             <a:ext uri="{AF507438-7753-43e0-B8FC-AC1667EBCBE1}">
-              <a14:hiddenEffects xmlns:a14="http://schemas.microsoft.com/office/drawing/2010/main" xmlns="">
+              <a14:hiddenEffects xmlns="" xmlns:a14="http://schemas.microsoft.com/office/drawing/2010/main">
                 <a:effectLst>
                   <a:outerShdw blurRad="63500" dist="38099" dir="2700000" algn="ctr" rotWithShape="0">
                     <a:schemeClr val="bg2">
@@ -13236,7 +13224,7 @@
           <a:noFill/>
           <a:extLst>
             <a:ext uri="{AF507438-7753-43e0-B8FC-AC1667EBCBE1}">
-              <a14:hiddenEffects xmlns:a14="http://schemas.microsoft.com/office/drawing/2010/main" xmlns="">
+              <a14:hiddenEffects xmlns="" xmlns:a14="http://schemas.microsoft.com/office/drawing/2010/main">
                 <a:effectLst>
                   <a:outerShdw blurRad="63500" dist="38099" dir="2700000" algn="ctr" rotWithShape="0">
                     <a:schemeClr val="bg2">
@@ -13383,7 +13371,7 @@
           <a:noFill/>
           <a:extLst>
             <a:ext uri="{AF507438-7753-43e0-B8FC-AC1667EBCBE1}">
-              <a14:hiddenEffects xmlns:a14="http://schemas.microsoft.com/office/drawing/2010/main" xmlns="">
+              <a14:hiddenEffects xmlns="" xmlns:a14="http://schemas.microsoft.com/office/drawing/2010/main">
                 <a:effectLst>
                   <a:outerShdw blurRad="63500" dist="38099" dir="2700000" algn="ctr" rotWithShape="0">
                     <a:schemeClr val="bg2">
@@ -13647,14 +13635,14 @@
           </a:ln>
           <a:extLst>
             <a:ext uri="{909E8E84-426E-40dd-AFC4-6F175D3DCCD1}">
-              <a14:hiddenFill xmlns:a14="http://schemas.microsoft.com/office/drawing/2010/main" xmlns="">
+              <a14:hiddenFill xmlns="" xmlns:a14="http://schemas.microsoft.com/office/drawing/2010/main">
                 <a:solidFill>
                   <a:schemeClr val="accent1"/>
                 </a:solidFill>
               </a14:hiddenFill>
             </a:ext>
             <a:ext uri="{91240B29-F687-4f45-9708-019B960494DF}">
-              <a14:hiddenLine xmlns:a14="http://schemas.microsoft.com/office/drawing/2010/main" xmlns="" w="9525">
+              <a14:hiddenLine xmlns="" xmlns:a14="http://schemas.microsoft.com/office/drawing/2010/main" w="9525">
                 <a:solidFill>
                   <a:schemeClr val="tx1"/>
                 </a:solidFill>
@@ -13699,14 +13687,14 @@
           </a:ln>
           <a:extLst>
             <a:ext uri="{909E8E84-426E-40dd-AFC4-6F175D3DCCD1}">
-              <a14:hiddenFill xmlns:a14="http://schemas.microsoft.com/office/drawing/2010/main" xmlns="">
+              <a14:hiddenFill xmlns="" xmlns:a14="http://schemas.microsoft.com/office/drawing/2010/main">
                 <a:solidFill>
                   <a:schemeClr val="accent1"/>
                 </a:solidFill>
               </a14:hiddenFill>
             </a:ext>
             <a:ext uri="{91240B29-F687-4f45-9708-019B960494DF}">
-              <a14:hiddenLine xmlns:a14="http://schemas.microsoft.com/office/drawing/2010/main" xmlns="" w="9525">
+              <a14:hiddenLine xmlns="" xmlns:a14="http://schemas.microsoft.com/office/drawing/2010/main" w="9525">
                 <a:solidFill>
                   <a:schemeClr val="tx1"/>
                 </a:solidFill>
@@ -13762,7 +13750,7 @@
           <a:noFill/>
           <a:extLst>
             <a:ext uri="{AF507438-7753-43e0-B8FC-AC1667EBCBE1}">
-              <a14:hiddenEffects xmlns:a14="http://schemas.microsoft.com/office/drawing/2010/main" xmlns="">
+              <a14:hiddenEffects xmlns="" xmlns:a14="http://schemas.microsoft.com/office/drawing/2010/main">
                 <a:effectLst>
                   <a:outerShdw blurRad="63500" dist="38099" dir="2700000" algn="ctr" rotWithShape="0">
                     <a:schemeClr val="bg2">
@@ -13913,7 +13901,7 @@
           <a:noFill/>
           <a:extLst>
             <a:ext uri="{AF507438-7753-43e0-B8FC-AC1667EBCBE1}">
-              <a14:hiddenEffects xmlns:a14="http://schemas.microsoft.com/office/drawing/2010/main" xmlns="">
+              <a14:hiddenEffects xmlns="" xmlns:a14="http://schemas.microsoft.com/office/drawing/2010/main">
                 <a:effectLst>
                   <a:outerShdw blurRad="63500" dist="38099" dir="2700000" algn="ctr" rotWithShape="0">
                     <a:schemeClr val="bg2">
@@ -14064,7 +14052,7 @@
           <a:noFill/>
           <a:extLst>
             <a:ext uri="{AF507438-7753-43e0-B8FC-AC1667EBCBE1}">
-              <a14:hiddenEffects xmlns:a14="http://schemas.microsoft.com/office/drawing/2010/main" xmlns="">
+              <a14:hiddenEffects xmlns="" xmlns:a14="http://schemas.microsoft.com/office/drawing/2010/main">
                 <a:effectLst>
                   <a:outerShdw blurRad="63500" dist="38099" dir="2700000" algn="ctr" rotWithShape="0">
                     <a:schemeClr val="bg2">
@@ -14255,14 +14243,14 @@
           <a:effectLst/>
           <a:extLst>
             <a:ext uri="{909E8E84-426E-40dd-AFC4-6F175D3DCCD1}">
-              <a14:hiddenFill xmlns:a14="http://schemas.microsoft.com/office/drawing/2010/main" xmlns="">
+              <a14:hiddenFill xmlns="" xmlns:a14="http://schemas.microsoft.com/office/drawing/2010/main">
                 <a:solidFill>
                   <a:schemeClr val="accent1"/>
                 </a:solidFill>
               </a14:hiddenFill>
             </a:ext>
             <a:ext uri="{91240B29-F687-4f45-9708-019B960494DF}">
-              <a14:hiddenLine xmlns:a14="http://schemas.microsoft.com/office/drawing/2010/main" xmlns="" w="9525">
+              <a14:hiddenLine xmlns="" xmlns:a14="http://schemas.microsoft.com/office/drawing/2010/main" w="9525">
                 <a:solidFill>
                   <a:schemeClr val="tx1"/>
                 </a:solidFill>
@@ -14272,7 +14260,7 @@
               </a14:hiddenLine>
             </a:ext>
             <a:ext uri="{AF507438-7753-43e0-B8FC-AC1667EBCBE1}">
-              <a14:hiddenEffects xmlns:a14="http://schemas.microsoft.com/office/drawing/2010/main" xmlns="">
+              <a14:hiddenEffects xmlns="" xmlns:a14="http://schemas.microsoft.com/office/drawing/2010/main">
                 <a:effectLst>
                   <a:outerShdw blurRad="63500" dist="38099" dir="2700000" algn="ctr" rotWithShape="0">
                     <a:schemeClr val="bg2">
@@ -14658,14 +14646,14 @@
           <a:effectLst/>
           <a:extLst>
             <a:ext uri="{909E8E84-426E-40dd-AFC4-6F175D3DCCD1}">
-              <a14:hiddenFill xmlns:a14="http://schemas.microsoft.com/office/drawing/2010/main" xmlns="">
+              <a14:hiddenFill xmlns="" xmlns:a14="http://schemas.microsoft.com/office/drawing/2010/main">
                 <a:solidFill>
                   <a:schemeClr val="accent1"/>
                 </a:solidFill>
               </a14:hiddenFill>
             </a:ext>
             <a:ext uri="{91240B29-F687-4f45-9708-019B960494DF}">
-              <a14:hiddenLine xmlns:a14="http://schemas.microsoft.com/office/drawing/2010/main" xmlns="" w="9525">
+              <a14:hiddenLine xmlns="" xmlns:a14="http://schemas.microsoft.com/office/drawing/2010/main" w="9525">
                 <a:solidFill>
                   <a:schemeClr val="tx1"/>
                 </a:solidFill>
@@ -14675,7 +14663,7 @@
               </a14:hiddenLine>
             </a:ext>
             <a:ext uri="{AF507438-7753-43e0-B8FC-AC1667EBCBE1}">
-              <a14:hiddenEffects xmlns:a14="http://schemas.microsoft.com/office/drawing/2010/main" xmlns="">
+              <a14:hiddenEffects xmlns="" xmlns:a14="http://schemas.microsoft.com/office/drawing/2010/main">
                 <a:effectLst>
                   <a:outerShdw blurRad="63500" dist="38099" dir="2700000" algn="ctr" rotWithShape="0">
                     <a:schemeClr val="bg2">
@@ -14805,31 +14793,100 @@
           <a:p>
             <a:pPr eaLnBrk="1" hangingPunct="1"/>
             <a:r>
-              <a:rPr lang="pt-BR" sz="1600" b="1">
+              <a:rPr lang="pt-BR" sz="1600" b="1" dirty="0">
                 <a:solidFill>
                   <a:srgbClr val="A50021"/>
                 </a:solidFill>
                 <a:latin typeface="Courier New" charset="0"/>
               </a:rPr>
-              <a:t>&gt; perc &lt;- L / nrow(R)</a:t>
+              <a:t>&gt; </a:t>
+            </a:r>
+            <a:r>
+              <a:rPr lang="pt-BR" sz="1600" b="1" dirty="0" err="1">
+                <a:solidFill>
+                  <a:srgbClr val="A50021"/>
+                </a:solidFill>
+                <a:latin typeface="Courier New" charset="0"/>
+              </a:rPr>
+              <a:t>perc</a:t>
+            </a:r>
+            <a:r>
+              <a:rPr lang="pt-BR" sz="1600" b="1" dirty="0">
+                <a:solidFill>
+                  <a:srgbClr val="A50021"/>
+                </a:solidFill>
+                <a:latin typeface="Courier New" charset="0"/>
+              </a:rPr>
+              <a:t> &lt;- L / </a:t>
+            </a:r>
+            <a:r>
+              <a:rPr lang="pt-BR" sz="1600" b="1" dirty="0" err="1">
+                <a:solidFill>
+                  <a:srgbClr val="A50021"/>
+                </a:solidFill>
+                <a:latin typeface="Courier New" charset="0"/>
+              </a:rPr>
+              <a:t>nrow</a:t>
+            </a:r>
+            <a:r>
+              <a:rPr lang="pt-BR" sz="1600" b="1" dirty="0">
+                <a:solidFill>
+                  <a:srgbClr val="A50021"/>
+                </a:solidFill>
+                <a:latin typeface="Courier New" charset="0"/>
+              </a:rPr>
+              <a:t>(</a:t>
+            </a:r>
+            <a:r>
+              <a:rPr lang="pt-BR" sz="1600" b="1" dirty="0" err="1">
+                <a:solidFill>
+                  <a:srgbClr val="A50021"/>
+                </a:solidFill>
+                <a:latin typeface="Courier New" charset="0"/>
+              </a:rPr>
+              <a:t>R</a:t>
+            </a:r>
+            <a:r>
+              <a:rPr lang="pt-BR" sz="1600" b="1" dirty="0">
+                <a:solidFill>
+                  <a:srgbClr val="A50021"/>
+                </a:solidFill>
+                <a:latin typeface="Courier New" charset="0"/>
+              </a:rPr>
+              <a:t>)</a:t>
             </a:r>
           </a:p>
           <a:p>
             <a:pPr eaLnBrk="1" hangingPunct="1"/>
             <a:r>
-              <a:rPr lang="pt-BR" sz="1600" b="1">
+              <a:rPr lang="pt-BR" sz="1600" b="1" dirty="0">
                 <a:solidFill>
                   <a:srgbClr val="A50021"/>
                 </a:solidFill>
                 <a:latin typeface="Courier New" charset="0"/>
               </a:rPr>
-              <a:t>&gt; perc</a:t>
-            </a:r>
+              <a:t>&gt; </a:t>
+            </a:r>
+            <a:r>
+              <a:rPr lang="pt-BR" sz="1600" b="1" dirty="0" err="1">
+                <a:solidFill>
+                  <a:srgbClr val="A50021"/>
+                </a:solidFill>
+                <a:latin typeface="Courier New" charset="0"/>
+              </a:rPr>
+              <a:t>perc</a:t>
+            </a:r>
+            <a:endParaRPr lang="pt-BR" sz="1600" b="1" dirty="0">
+              <a:solidFill>
+                <a:srgbClr val="A50021"/>
+              </a:solidFill>
+              <a:latin typeface="Courier New" charset="0"/>
+            </a:endParaRPr>
           </a:p>
           <a:p>
             <a:pPr eaLnBrk="1" hangingPunct="1"/>
             <a:r>
-              <a:rPr lang="pt-BR" sz="1600" b="1">
+              <a:rPr lang="pt-BR" sz="1600" b="1" dirty="0">
                 <a:solidFill>
                   <a:schemeClr val="accent2"/>
                 </a:solidFill>
@@ -14841,19 +14898,70 @@
           <a:p>
             <a:pPr eaLnBrk="1" hangingPunct="1"/>
             <a:r>
-              <a:rPr lang="pt-BR" sz="1600" b="1">
+              <a:rPr lang="pt-BR" sz="1600" b="1" dirty="0">
                 <a:solidFill>
                   <a:srgbClr val="A50021"/>
                 </a:solidFill>
                 <a:latin typeface="Courier New" charset="0"/>
               </a:rPr>
-              <a:t>&gt; V &lt;- eigen(R)$vectors</a:t>
-            </a:r>
+              <a:t>&gt; V &lt;- </a:t>
+            </a:r>
+            <a:r>
+              <a:rPr lang="pt-BR" sz="1600" b="1" dirty="0" err="1">
+                <a:solidFill>
+                  <a:srgbClr val="A50021"/>
+                </a:solidFill>
+                <a:latin typeface="Courier New" charset="0"/>
+              </a:rPr>
+              <a:t>eigen</a:t>
+            </a:r>
+            <a:r>
+              <a:rPr lang="pt-BR" sz="1600" b="1" dirty="0">
+                <a:solidFill>
+                  <a:srgbClr val="A50021"/>
+                </a:solidFill>
+                <a:latin typeface="Courier New" charset="0"/>
+              </a:rPr>
+              <a:t>(</a:t>
+            </a:r>
+            <a:r>
+              <a:rPr lang="pt-BR" sz="1600" b="1" dirty="0" err="1">
+                <a:solidFill>
+                  <a:srgbClr val="A50021"/>
+                </a:solidFill>
+                <a:latin typeface="Courier New" charset="0"/>
+              </a:rPr>
+              <a:t>R</a:t>
+            </a:r>
+            <a:r>
+              <a:rPr lang="pt-BR" sz="1600" b="1" dirty="0">
+                <a:solidFill>
+                  <a:srgbClr val="A50021"/>
+                </a:solidFill>
+                <a:latin typeface="Courier New" charset="0"/>
+              </a:rPr>
+              <a:t>)$</a:t>
+            </a:r>
+            <a:r>
+              <a:rPr lang="pt-BR" sz="1600" b="1" dirty="0" err="1">
+                <a:solidFill>
+                  <a:srgbClr val="A50021"/>
+                </a:solidFill>
+                <a:latin typeface="Courier New" charset="0"/>
+              </a:rPr>
+              <a:t>vectors</a:t>
+            </a:r>
+            <a:endParaRPr lang="pt-BR" sz="1600" b="1" dirty="0">
+              <a:solidFill>
+                <a:srgbClr val="A50021"/>
+              </a:solidFill>
+              <a:latin typeface="Courier New" charset="0"/>
+            </a:endParaRPr>
           </a:p>
           <a:p>
             <a:pPr eaLnBrk="1" hangingPunct="1"/>
             <a:r>
-              <a:rPr lang="pt-BR" sz="1600" b="1">
+              <a:rPr lang="pt-BR" sz="1600" b="1" dirty="0">
                 <a:solidFill>
                   <a:srgbClr val="A50021"/>
                 </a:solidFill>
@@ -14865,7 +14973,7 @@
           <a:p>
             <a:pPr eaLnBrk="1" hangingPunct="1"/>
             <a:r>
-              <a:rPr lang="pt-BR" sz="1600" b="1">
+              <a:rPr lang="pt-BR" sz="1600" b="1" dirty="0">
                 <a:solidFill>
                   <a:srgbClr val="A50021"/>
                 </a:solidFill>
@@ -14874,7 +14982,7 @@
               <a:t>          </a:t>
             </a:r>
             <a:r>
-              <a:rPr lang="pt-BR" sz="1600" b="1">
+              <a:rPr lang="pt-BR" sz="1600" b="1" dirty="0">
                 <a:solidFill>
                   <a:schemeClr val="accent2"/>
                 </a:solidFill>
@@ -14886,7 +14994,7 @@
           <a:p>
             <a:pPr eaLnBrk="1" hangingPunct="1"/>
             <a:r>
-              <a:rPr lang="pt-BR" sz="1600" b="1">
+              <a:rPr lang="pt-BR" sz="1600" b="1" dirty="0">
                 <a:solidFill>
                   <a:schemeClr val="accent2"/>
                 </a:solidFill>
@@ -14898,7 +15006,7 @@
           <a:p>
             <a:pPr eaLnBrk="1" hangingPunct="1"/>
             <a:r>
-              <a:rPr lang="pt-BR" sz="1600" b="1">
+              <a:rPr lang="pt-BR" sz="1600" b="1" dirty="0">
                 <a:solidFill>
                   <a:schemeClr val="accent2"/>
                 </a:solidFill>
@@ -14910,7 +15018,7 @@
           <a:p>
             <a:pPr eaLnBrk="1" hangingPunct="1"/>
             <a:r>
-              <a:rPr lang="pt-BR" sz="1600" b="1">
+              <a:rPr lang="pt-BR" sz="1600" b="1" dirty="0">
                 <a:solidFill>
                   <a:schemeClr val="accent2"/>
                 </a:solidFill>
@@ -14922,31 +15030,82 @@
           <a:p>
             <a:pPr eaLnBrk="1" hangingPunct="1"/>
             <a:r>
-              <a:rPr lang="pt-BR" sz="1600" b="1">
+              <a:rPr lang="pt-BR" sz="1600" b="1" dirty="0">
                 <a:solidFill>
                   <a:srgbClr val="A50021"/>
                 </a:solidFill>
                 <a:latin typeface="Courier New" charset="0"/>
               </a:rPr>
-              <a:t>&gt; P &lt;- Y %*% V</a:t>
+              <a:t>&gt; </a:t>
+            </a:r>
+            <a:r>
+              <a:rPr lang="pt-BR" sz="1600" b="1" dirty="0" err="1">
+                <a:solidFill>
+                  <a:srgbClr val="A50021"/>
+                </a:solidFill>
+                <a:latin typeface="Courier New" charset="0"/>
+              </a:rPr>
+              <a:t>P</a:t>
+            </a:r>
+            <a:r>
+              <a:rPr lang="pt-BR" sz="1600" b="1" dirty="0">
+                <a:solidFill>
+                  <a:srgbClr val="A50021"/>
+                </a:solidFill>
+                <a:latin typeface="Courier New" charset="0"/>
+              </a:rPr>
+              <a:t> &lt;- </a:t>
+            </a:r>
+            <a:r>
+              <a:rPr lang="pt-BR" sz="1600" b="1" dirty="0" err="1">
+                <a:solidFill>
+                  <a:srgbClr val="A50021"/>
+                </a:solidFill>
+                <a:latin typeface="Courier New" charset="0"/>
+              </a:rPr>
+              <a:t>Y</a:t>
+            </a:r>
+            <a:r>
+              <a:rPr lang="pt-BR" sz="1600" b="1" dirty="0">
+                <a:solidFill>
+                  <a:srgbClr val="A50021"/>
+                </a:solidFill>
+                <a:latin typeface="Courier New" charset="0"/>
+              </a:rPr>
+              <a:t> %*% V</a:t>
             </a:r>
           </a:p>
           <a:p>
             <a:pPr eaLnBrk="1" hangingPunct="1"/>
             <a:r>
-              <a:rPr lang="pt-BR" sz="1600" b="1">
+              <a:rPr lang="pt-BR" sz="1600" b="1" dirty="0">
                 <a:solidFill>
                   <a:srgbClr val="A50021"/>
                 </a:solidFill>
                 <a:latin typeface="Courier New" charset="0"/>
               </a:rPr>
-              <a:t>&gt; P</a:t>
-            </a:r>
+              <a:t>&gt; </a:t>
+            </a:r>
+            <a:r>
+              <a:rPr lang="pt-BR" sz="1600" b="1" dirty="0" err="1">
+                <a:solidFill>
+                  <a:srgbClr val="A50021"/>
+                </a:solidFill>
+                <a:latin typeface="Courier New" charset="0"/>
+              </a:rPr>
+              <a:t>P</a:t>
+            </a:r>
+            <a:endParaRPr lang="pt-BR" sz="1600" b="1" dirty="0">
+              <a:solidFill>
+                <a:srgbClr val="A50021"/>
+              </a:solidFill>
+              <a:latin typeface="Courier New" charset="0"/>
+            </a:endParaRPr>
           </a:p>
           <a:p>
             <a:pPr eaLnBrk="1" hangingPunct="1"/>
             <a:r>
-              <a:rPr lang="pt-BR" sz="1600" b="1">
+              <a:rPr lang="pt-BR" sz="1600" b="1" dirty="0">
                 <a:solidFill>
                   <a:srgbClr val="A50021"/>
                 </a:solidFill>
@@ -14955,7 +15114,7 @@
               <a:t>           </a:t>
             </a:r>
             <a:r>
-              <a:rPr lang="pt-BR" sz="1600" b="1">
+              <a:rPr lang="pt-BR" sz="1600" b="1" dirty="0">
                 <a:solidFill>
                   <a:schemeClr val="accent2"/>
                 </a:solidFill>
@@ -14967,7 +15126,7 @@
           <a:p>
             <a:pPr eaLnBrk="1" hangingPunct="1"/>
             <a:r>
-              <a:rPr lang="pt-BR" sz="1600" b="1">
+              <a:rPr lang="pt-BR" sz="1600" b="1" dirty="0">
                 <a:solidFill>
                   <a:schemeClr val="accent2"/>
                 </a:solidFill>
@@ -14979,7 +15138,7 @@
           <a:p>
             <a:pPr eaLnBrk="1" hangingPunct="1"/>
             <a:r>
-              <a:rPr lang="pt-BR" sz="1600" b="1">
+              <a:rPr lang="pt-BR" sz="1600" b="1" dirty="0">
                 <a:solidFill>
                   <a:schemeClr val="accent2"/>
                 </a:solidFill>
@@ -14991,7 +15150,7 @@
           <a:p>
             <a:pPr eaLnBrk="1" hangingPunct="1"/>
             <a:r>
-              <a:rPr lang="pt-BR" sz="1600" b="1">
+              <a:rPr lang="pt-BR" sz="1600" b="1" dirty="0">
                 <a:solidFill>
                   <a:schemeClr val="accent2"/>
                 </a:solidFill>
@@ -15002,7 +15161,7 @@
           </a:p>
           <a:p>
             <a:pPr eaLnBrk="1" hangingPunct="1"/>
-            <a:endParaRPr lang="pt-BR" sz="1600" b="1">
+            <a:endParaRPr lang="pt-BR" sz="1600" b="1" dirty="0">
               <a:solidFill>
                 <a:schemeClr val="accent2"/>
               </a:solidFill>
@@ -15011,7 +15170,7 @@
           </a:p>
           <a:p>
             <a:pPr eaLnBrk="1" hangingPunct="1"/>
-            <a:endParaRPr lang="en-US" sz="1600" b="1">
+            <a:endParaRPr lang="en-US" sz="1600" b="1" dirty="0">
               <a:solidFill>
                 <a:schemeClr val="accent2"/>
               </a:solidFill>
@@ -15596,7 +15755,7 @@
           <a:noFill/>
           <a:extLst>
             <a:ext uri="{AF507438-7753-43e0-B8FC-AC1667EBCBE1}">
-              <a14:hiddenEffects xmlns:a14="http://schemas.microsoft.com/office/drawing/2010/main" xmlns="">
+              <a14:hiddenEffects xmlns="" xmlns:a14="http://schemas.microsoft.com/office/drawing/2010/main">
                 <a:effectLst>
                   <a:outerShdw blurRad="63500" dist="38099" dir="2700000" algn="ctr" rotWithShape="0">
                     <a:schemeClr val="bg2">
@@ -15747,7 +15906,7 @@
           <a:noFill/>
           <a:extLst>
             <a:ext uri="{AF507438-7753-43e0-B8FC-AC1667EBCBE1}">
-              <a14:hiddenEffects xmlns:a14="http://schemas.microsoft.com/office/drawing/2010/main" xmlns="">
+              <a14:hiddenEffects xmlns="" xmlns:a14="http://schemas.microsoft.com/office/drawing/2010/main">
                 <a:effectLst>
                   <a:outerShdw blurRad="63500" dist="38099" dir="2700000" algn="ctr" rotWithShape="0">
                     <a:schemeClr val="bg2">
@@ -15898,7 +16057,7 @@
           <a:noFill/>
           <a:extLst>
             <a:ext uri="{AF507438-7753-43e0-B8FC-AC1667EBCBE1}">
-              <a14:hiddenEffects xmlns:a14="http://schemas.microsoft.com/office/drawing/2010/main" xmlns="">
+              <a14:hiddenEffects xmlns="" xmlns:a14="http://schemas.microsoft.com/office/drawing/2010/main">
                 <a:effectLst>
                   <a:outerShdw blurRad="63500" dist="38099" dir="2700000" algn="ctr" rotWithShape="0">
                     <a:schemeClr val="bg2">
@@ -16076,14 +16235,14 @@
           </a:ln>
           <a:extLst>
             <a:ext uri="{909E8E84-426E-40dd-AFC4-6F175D3DCCD1}">
-              <a14:hiddenFill xmlns:a14="http://schemas.microsoft.com/office/drawing/2010/main" xmlns="">
+              <a14:hiddenFill xmlns="" xmlns:a14="http://schemas.microsoft.com/office/drawing/2010/main">
                 <a:solidFill>
                   <a:srgbClr val="FFFFFF"/>
                 </a:solidFill>
               </a14:hiddenFill>
             </a:ext>
             <a:ext uri="{91240B29-F687-4f45-9708-019B960494DF}">
-              <a14:hiddenLine xmlns:a14="http://schemas.microsoft.com/office/drawing/2010/main" xmlns="" w="9525">
+              <a14:hiddenLine xmlns="" xmlns:a14="http://schemas.microsoft.com/office/drawing/2010/main" w="9525">
                 <a:solidFill>
                   <a:srgbClr val="000000"/>
                 </a:solidFill>
@@ -16454,7 +16613,7 @@
           <a:noFill/>
           <a:extLst>
             <a:ext uri="{AF507438-7753-43e0-B8FC-AC1667EBCBE1}">
-              <a14:hiddenEffects xmlns:a14="http://schemas.microsoft.com/office/drawing/2010/main" xmlns="">
+              <a14:hiddenEffects xmlns="" xmlns:a14="http://schemas.microsoft.com/office/drawing/2010/main">
                 <a:effectLst>
                   <a:outerShdw blurRad="63500" dist="38099" dir="2700000" algn="ctr" rotWithShape="0">
                     <a:schemeClr val="bg2">
@@ -16605,7 +16764,7 @@
           <a:noFill/>
           <a:extLst>
             <a:ext uri="{AF507438-7753-43e0-B8FC-AC1667EBCBE1}">
-              <a14:hiddenEffects xmlns:a14="http://schemas.microsoft.com/office/drawing/2010/main" xmlns="">
+              <a14:hiddenEffects xmlns="" xmlns:a14="http://schemas.microsoft.com/office/drawing/2010/main">
                 <a:effectLst>
                   <a:outerShdw blurRad="63500" dist="38099" dir="2700000" algn="ctr" rotWithShape="0">
                     <a:schemeClr val="bg2">
@@ -17131,7 +17290,7 @@
           <a:noFill/>
           <a:extLst>
             <a:ext uri="{AF507438-7753-43e0-B8FC-AC1667EBCBE1}">
-              <a14:hiddenEffects xmlns:a14="http://schemas.microsoft.com/office/drawing/2010/main" xmlns="">
+              <a14:hiddenEffects xmlns="" xmlns:a14="http://schemas.microsoft.com/office/drawing/2010/main">
                 <a:effectLst>
                   <a:outerShdw blurRad="63500" dist="38099" dir="2700000" algn="ctr" rotWithShape="0">
                     <a:schemeClr val="bg2">
@@ -17282,7 +17441,7 @@
           <a:noFill/>
           <a:extLst>
             <a:ext uri="{AF507438-7753-43e0-B8FC-AC1667EBCBE1}">
-              <a14:hiddenEffects xmlns:a14="http://schemas.microsoft.com/office/drawing/2010/main" xmlns="">
+              <a14:hiddenEffects xmlns="" xmlns:a14="http://schemas.microsoft.com/office/drawing/2010/main">
                 <a:effectLst>
                   <a:outerShdw blurRad="63500" dist="38099" dir="2700000" algn="ctr" rotWithShape="0">
                     <a:schemeClr val="bg2">
@@ -17433,7 +17592,7 @@
           <a:noFill/>
           <a:extLst>
             <a:ext uri="{AF507438-7753-43e0-B8FC-AC1667EBCBE1}">
-              <a14:hiddenEffects xmlns:a14="http://schemas.microsoft.com/office/drawing/2010/main" xmlns="">
+              <a14:hiddenEffects xmlns="" xmlns:a14="http://schemas.microsoft.com/office/drawing/2010/main">
                 <a:effectLst>
                   <a:outerShdw blurRad="63500" dist="38099" dir="2700000" algn="ctr" rotWithShape="0">
                     <a:schemeClr val="bg2">
@@ -17633,7 +17792,7 @@
           <a:effectLst/>
           <a:extLst>
             <a:ext uri="{AF507438-7753-43e0-B8FC-AC1667EBCBE1}">
-              <a14:hiddenEffects xmlns:a14="http://schemas.microsoft.com/office/drawing/2010/main" xmlns="">
+              <a14:hiddenEffects xmlns="" xmlns:a14="http://schemas.microsoft.com/office/drawing/2010/main">
                 <a:effectLst>
                   <a:outerShdw blurRad="63500" dist="38099" dir="2700000" algn="ctr" rotWithShape="0">
                     <a:schemeClr val="bg2">
@@ -17696,7 +17855,7 @@
           <a:effectLst/>
           <a:extLst>
             <a:ext uri="{AF507438-7753-43e0-B8FC-AC1667EBCBE1}">
-              <a14:hiddenEffects xmlns:a14="http://schemas.microsoft.com/office/drawing/2010/main" xmlns="">
+              <a14:hiddenEffects xmlns="" xmlns:a14="http://schemas.microsoft.com/office/drawing/2010/main">
                 <a:effectLst>
                   <a:outerShdw blurRad="63500" dist="38099" dir="2700000" algn="ctr" rotWithShape="0">
                     <a:schemeClr val="bg2">
@@ -17755,12 +17914,12 @@
           <a:effectLst/>
           <a:extLst>
             <a:ext uri="{909E8E84-426E-40dd-AFC4-6F175D3DCCD1}">
-              <a14:hiddenFill xmlns:a14="http://schemas.microsoft.com/office/drawing/2010/main" xmlns="">
+              <a14:hiddenFill xmlns="" xmlns:a14="http://schemas.microsoft.com/office/drawing/2010/main">
                 <a:noFill/>
               </a14:hiddenFill>
             </a:ext>
             <a:ext uri="{AF507438-7753-43e0-B8FC-AC1667EBCBE1}">
-              <a14:hiddenEffects xmlns:a14="http://schemas.microsoft.com/office/drawing/2010/main" xmlns="">
+              <a14:hiddenEffects xmlns="" xmlns:a14="http://schemas.microsoft.com/office/drawing/2010/main">
                 <a:effectLst>
                   <a:outerShdw blurRad="63500" dist="38099" dir="2700000" algn="ctr" rotWithShape="0">
                     <a:schemeClr val="bg2">
@@ -17812,7 +17971,7 @@
           <a:effectLst/>
           <a:extLst>
             <a:ext uri="{AF507438-7753-43e0-B8FC-AC1667EBCBE1}">
-              <a14:hiddenEffects xmlns:a14="http://schemas.microsoft.com/office/drawing/2010/main" xmlns="">
+              <a14:hiddenEffects xmlns="" xmlns:a14="http://schemas.microsoft.com/office/drawing/2010/main">
                 <a:effectLst>
                   <a:outerShdw blurRad="63500" dist="38099" dir="2700000" algn="ctr" rotWithShape="0">
                     <a:schemeClr val="bg2">
@@ -17875,7 +18034,7 @@
           <a:effectLst/>
           <a:extLst>
             <a:ext uri="{AF507438-7753-43e0-B8FC-AC1667EBCBE1}">
-              <a14:hiddenEffects xmlns:a14="http://schemas.microsoft.com/office/drawing/2010/main" xmlns="">
+              <a14:hiddenEffects xmlns="" xmlns:a14="http://schemas.microsoft.com/office/drawing/2010/main">
                 <a:effectLst>
                   <a:outerShdw blurRad="63500" dist="38099" dir="2700000" algn="ctr" rotWithShape="0">
                     <a:schemeClr val="bg2">
@@ -17935,12 +18094,12 @@
           <a:effectLst/>
           <a:extLst>
             <a:ext uri="{909E8E84-426E-40dd-AFC4-6F175D3DCCD1}">
-              <a14:hiddenFill xmlns:a14="http://schemas.microsoft.com/office/drawing/2010/main" xmlns="">
+              <a14:hiddenFill xmlns="" xmlns:a14="http://schemas.microsoft.com/office/drawing/2010/main">
                 <a:noFill/>
               </a14:hiddenFill>
             </a:ext>
             <a:ext uri="{AF507438-7753-43e0-B8FC-AC1667EBCBE1}">
-              <a14:hiddenEffects xmlns:a14="http://schemas.microsoft.com/office/drawing/2010/main" xmlns="">
+              <a14:hiddenEffects xmlns="" xmlns:a14="http://schemas.microsoft.com/office/drawing/2010/main">
                 <a:effectLst>
                   <a:outerShdw blurRad="63500" dist="38099" dir="2700000" algn="ctr" rotWithShape="0">
                     <a:schemeClr val="bg2">
@@ -17983,14 +18142,14 @@
           <a:effectLst/>
           <a:extLst>
             <a:ext uri="{909E8E84-426E-40dd-AFC4-6F175D3DCCD1}">
-              <a14:hiddenFill xmlns:a14="http://schemas.microsoft.com/office/drawing/2010/main" xmlns="">
+              <a14:hiddenFill xmlns="" xmlns:a14="http://schemas.microsoft.com/office/drawing/2010/main">
                 <a:solidFill>
                   <a:schemeClr val="accent1"/>
                 </a:solidFill>
               </a14:hiddenFill>
             </a:ext>
             <a:ext uri="{91240B29-F687-4f45-9708-019B960494DF}">
-              <a14:hiddenLine xmlns:a14="http://schemas.microsoft.com/office/drawing/2010/main" xmlns="" w="9525">
+              <a14:hiddenLine xmlns="" xmlns:a14="http://schemas.microsoft.com/office/drawing/2010/main" w="9525">
                 <a:solidFill>
                   <a:schemeClr val="tx1"/>
                 </a:solidFill>
@@ -18000,7 +18159,7 @@
               </a14:hiddenLine>
             </a:ext>
             <a:ext uri="{AF507438-7753-43e0-B8FC-AC1667EBCBE1}">
-              <a14:hiddenEffects xmlns:a14="http://schemas.microsoft.com/office/drawing/2010/main" xmlns="">
+              <a14:hiddenEffects xmlns="" xmlns:a14="http://schemas.microsoft.com/office/drawing/2010/main">
                 <a:effectLst>
                   <a:outerShdw blurRad="63500" dist="38099" dir="2700000" algn="ctr" rotWithShape="0">
                     <a:schemeClr val="bg2">
@@ -18182,7 +18341,7 @@
           <a:effectLst/>
           <a:extLst>
             <a:ext uri="{AF507438-7753-43e0-B8FC-AC1667EBCBE1}">
-              <a14:hiddenEffects xmlns:a14="http://schemas.microsoft.com/office/drawing/2010/main" xmlns="">
+              <a14:hiddenEffects xmlns="" xmlns:a14="http://schemas.microsoft.com/office/drawing/2010/main">
                 <a:effectLst>
                   <a:outerShdw blurRad="63500" dist="38099" dir="2700000" algn="ctr" rotWithShape="0">
                     <a:schemeClr val="bg2">
@@ -18249,12 +18408,12 @@
           <a:effectLst/>
           <a:extLst>
             <a:ext uri="{909E8E84-426E-40dd-AFC4-6F175D3DCCD1}">
-              <a14:hiddenFill xmlns:a14="http://schemas.microsoft.com/office/drawing/2010/main" xmlns="">
+              <a14:hiddenFill xmlns="" xmlns:a14="http://schemas.microsoft.com/office/drawing/2010/main">
                 <a:noFill/>
               </a14:hiddenFill>
             </a:ext>
             <a:ext uri="{AF507438-7753-43e0-B8FC-AC1667EBCBE1}">
-              <a14:hiddenEffects xmlns:a14="http://schemas.microsoft.com/office/drawing/2010/main" xmlns="">
+              <a14:hiddenEffects xmlns="" xmlns:a14="http://schemas.microsoft.com/office/drawing/2010/main">
                 <a:effectLst>
                   <a:outerShdw blurRad="63500" dist="38099" dir="2700000" algn="ctr" rotWithShape="0">
                     <a:schemeClr val="bg2">
@@ -18297,14 +18456,14 @@
           <a:effectLst/>
           <a:extLst>
             <a:ext uri="{909E8E84-426E-40dd-AFC4-6F175D3DCCD1}">
-              <a14:hiddenFill xmlns:a14="http://schemas.microsoft.com/office/drawing/2010/main" xmlns="">
+              <a14:hiddenFill xmlns="" xmlns:a14="http://schemas.microsoft.com/office/drawing/2010/main">
                 <a:solidFill>
                   <a:schemeClr val="accent1"/>
                 </a:solidFill>
               </a14:hiddenFill>
             </a:ext>
             <a:ext uri="{91240B29-F687-4f45-9708-019B960494DF}">
-              <a14:hiddenLine xmlns:a14="http://schemas.microsoft.com/office/drawing/2010/main" xmlns="" w="9525">
+              <a14:hiddenLine xmlns="" xmlns:a14="http://schemas.microsoft.com/office/drawing/2010/main" w="9525">
                 <a:solidFill>
                   <a:schemeClr val="tx1"/>
                 </a:solidFill>
@@ -18314,7 +18473,7 @@
               </a14:hiddenLine>
             </a:ext>
             <a:ext uri="{AF507438-7753-43e0-B8FC-AC1667EBCBE1}">
-              <a14:hiddenEffects xmlns:a14="http://schemas.microsoft.com/office/drawing/2010/main" xmlns="">
+              <a14:hiddenEffects xmlns="" xmlns:a14="http://schemas.microsoft.com/office/drawing/2010/main">
                 <a:effectLst>
                   <a:outerShdw blurRad="63500" dist="38099" dir="2700000" algn="ctr" rotWithShape="0">
                     <a:schemeClr val="bg2">
@@ -18489,7 +18648,7 @@
           <a:effectLst/>
           <a:extLst>
             <a:ext uri="{AF507438-7753-43e0-B8FC-AC1667EBCBE1}">
-              <a14:hiddenEffects xmlns:a14="http://schemas.microsoft.com/office/drawing/2010/main" xmlns="">
+              <a14:hiddenEffects xmlns="" xmlns:a14="http://schemas.microsoft.com/office/drawing/2010/main">
                 <a:effectLst>
                   <a:outerShdw blurRad="63500" dist="38099" dir="2700000" algn="ctr" rotWithShape="0">
                     <a:schemeClr val="bg2">
@@ -18549,12 +18708,12 @@
           <a:effectLst/>
           <a:extLst>
             <a:ext uri="{909E8E84-426E-40dd-AFC4-6F175D3DCCD1}">
-              <a14:hiddenFill xmlns:a14="http://schemas.microsoft.com/office/drawing/2010/main" xmlns="">
+              <a14:hiddenFill xmlns="" xmlns:a14="http://schemas.microsoft.com/office/drawing/2010/main">
                 <a:noFill/>
               </a14:hiddenFill>
             </a:ext>
             <a:ext uri="{AF507438-7753-43e0-B8FC-AC1667EBCBE1}">
-              <a14:hiddenEffects xmlns:a14="http://schemas.microsoft.com/office/drawing/2010/main" xmlns="">
+              <a14:hiddenEffects xmlns="" xmlns:a14="http://schemas.microsoft.com/office/drawing/2010/main">
                 <a:effectLst>
                   <a:outerShdw blurRad="63500" dist="38099" dir="2700000" algn="ctr" rotWithShape="0">
                     <a:schemeClr val="bg2">
@@ -18597,14 +18756,14 @@
           <a:effectLst/>
           <a:extLst>
             <a:ext uri="{909E8E84-426E-40dd-AFC4-6F175D3DCCD1}">
-              <a14:hiddenFill xmlns:a14="http://schemas.microsoft.com/office/drawing/2010/main" xmlns="">
+              <a14:hiddenFill xmlns="" xmlns:a14="http://schemas.microsoft.com/office/drawing/2010/main">
                 <a:solidFill>
                   <a:schemeClr val="accent1"/>
                 </a:solidFill>
               </a14:hiddenFill>
             </a:ext>
             <a:ext uri="{91240B29-F687-4f45-9708-019B960494DF}">
-              <a14:hiddenLine xmlns:a14="http://schemas.microsoft.com/office/drawing/2010/main" xmlns="" w="9525">
+              <a14:hiddenLine xmlns="" xmlns:a14="http://schemas.microsoft.com/office/drawing/2010/main" w="9525">
                 <a:solidFill>
                   <a:schemeClr val="tx1"/>
                 </a:solidFill>
@@ -18614,7 +18773,7 @@
               </a14:hiddenLine>
             </a:ext>
             <a:ext uri="{AF507438-7753-43e0-B8FC-AC1667EBCBE1}">
-              <a14:hiddenEffects xmlns:a14="http://schemas.microsoft.com/office/drawing/2010/main" xmlns="">
+              <a14:hiddenEffects xmlns="" xmlns:a14="http://schemas.microsoft.com/office/drawing/2010/main">
                 <a:effectLst>
                   <a:outerShdw blurRad="63500" dist="38099" dir="2700000" algn="ctr" rotWithShape="0">
                     <a:schemeClr val="bg2">
@@ -18782,7 +18941,7 @@
           <a:effectLst/>
           <a:extLst>
             <a:ext uri="{AF507438-7753-43e0-B8FC-AC1667EBCBE1}">
-              <a14:hiddenEffects xmlns:a14="http://schemas.microsoft.com/office/drawing/2010/main" xmlns="">
+              <a14:hiddenEffects xmlns="" xmlns:a14="http://schemas.microsoft.com/office/drawing/2010/main">
                 <a:effectLst>
                   <a:outerShdw blurRad="63500" dist="38099" dir="2700000" algn="ctr" rotWithShape="0">
                     <a:schemeClr val="bg2">
@@ -18842,12 +19001,12 @@
           <a:effectLst/>
           <a:extLst>
             <a:ext uri="{909E8E84-426E-40dd-AFC4-6F175D3DCCD1}">
-              <a14:hiddenFill xmlns:a14="http://schemas.microsoft.com/office/drawing/2010/main" xmlns="">
+              <a14:hiddenFill xmlns="" xmlns:a14="http://schemas.microsoft.com/office/drawing/2010/main">
                 <a:noFill/>
               </a14:hiddenFill>
             </a:ext>
             <a:ext uri="{AF507438-7753-43e0-B8FC-AC1667EBCBE1}">
-              <a14:hiddenEffects xmlns:a14="http://schemas.microsoft.com/office/drawing/2010/main" xmlns="">
+              <a14:hiddenEffects xmlns="" xmlns:a14="http://schemas.microsoft.com/office/drawing/2010/main">
                 <a:effectLst>
                   <a:outerShdw blurRad="63500" dist="38099" dir="2700000" algn="ctr" rotWithShape="0">
                     <a:schemeClr val="bg2">
@@ -18890,14 +19049,14 @@
           <a:effectLst/>
           <a:extLst>
             <a:ext uri="{909E8E84-426E-40dd-AFC4-6F175D3DCCD1}">
-              <a14:hiddenFill xmlns:a14="http://schemas.microsoft.com/office/drawing/2010/main" xmlns="">
+              <a14:hiddenFill xmlns="" xmlns:a14="http://schemas.microsoft.com/office/drawing/2010/main">
                 <a:solidFill>
                   <a:schemeClr val="accent1"/>
                 </a:solidFill>
               </a14:hiddenFill>
             </a:ext>
             <a:ext uri="{91240B29-F687-4f45-9708-019B960494DF}">
-              <a14:hiddenLine xmlns:a14="http://schemas.microsoft.com/office/drawing/2010/main" xmlns="" w="9525">
+              <a14:hiddenLine xmlns="" xmlns:a14="http://schemas.microsoft.com/office/drawing/2010/main" w="9525">
                 <a:solidFill>
                   <a:schemeClr val="tx1"/>
                 </a:solidFill>
@@ -18907,7 +19066,7 @@
               </a14:hiddenLine>
             </a:ext>
             <a:ext uri="{AF507438-7753-43e0-B8FC-AC1667EBCBE1}">
-              <a14:hiddenEffects xmlns:a14="http://schemas.microsoft.com/office/drawing/2010/main" xmlns="">
+              <a14:hiddenEffects xmlns="" xmlns:a14="http://schemas.microsoft.com/office/drawing/2010/main">
                 <a:effectLst>
                   <a:outerShdw blurRad="63500" dist="38099" dir="2700000" algn="ctr" rotWithShape="0">
                     <a:schemeClr val="bg2">
@@ -19082,7 +19241,7 @@
           <a:effectLst/>
           <a:extLst>
             <a:ext uri="{AF507438-7753-43e0-B8FC-AC1667EBCBE1}">
-              <a14:hiddenEffects xmlns:a14="http://schemas.microsoft.com/office/drawing/2010/main" xmlns="">
+              <a14:hiddenEffects xmlns="" xmlns:a14="http://schemas.microsoft.com/office/drawing/2010/main">
                 <a:effectLst>
                   <a:outerShdw blurRad="63500" dist="38099" dir="2700000" algn="ctr" rotWithShape="0">
                     <a:schemeClr val="bg2">
@@ -19149,12 +19308,12 @@
           <a:effectLst/>
           <a:extLst>
             <a:ext uri="{909E8E84-426E-40dd-AFC4-6F175D3DCCD1}">
-              <a14:hiddenFill xmlns:a14="http://schemas.microsoft.com/office/drawing/2010/main" xmlns="">
+              <a14:hiddenFill xmlns="" xmlns:a14="http://schemas.microsoft.com/office/drawing/2010/main">
                 <a:noFill/>
               </a14:hiddenFill>
             </a:ext>
             <a:ext uri="{AF507438-7753-43e0-B8FC-AC1667EBCBE1}">
-              <a14:hiddenEffects xmlns:a14="http://schemas.microsoft.com/office/drawing/2010/main" xmlns="">
+              <a14:hiddenEffects xmlns="" xmlns:a14="http://schemas.microsoft.com/office/drawing/2010/main">
                 <a:effectLst>
                   <a:outerShdw blurRad="63500" dist="38099" dir="2700000" algn="ctr" rotWithShape="0">
                     <a:schemeClr val="bg2">
@@ -19197,14 +19356,14 @@
           <a:effectLst/>
           <a:extLst>
             <a:ext uri="{909E8E84-426E-40dd-AFC4-6F175D3DCCD1}">
-              <a14:hiddenFill xmlns:a14="http://schemas.microsoft.com/office/drawing/2010/main" xmlns="">
+              <a14:hiddenFill xmlns="" xmlns:a14="http://schemas.microsoft.com/office/drawing/2010/main">
                 <a:solidFill>
                   <a:schemeClr val="accent1"/>
                 </a:solidFill>
               </a14:hiddenFill>
             </a:ext>
             <a:ext uri="{91240B29-F687-4f45-9708-019B960494DF}">
-              <a14:hiddenLine xmlns:a14="http://schemas.microsoft.com/office/drawing/2010/main" xmlns="" w="9525">
+              <a14:hiddenLine xmlns="" xmlns:a14="http://schemas.microsoft.com/office/drawing/2010/main" w="9525">
                 <a:solidFill>
                   <a:schemeClr val="tx1"/>
                 </a:solidFill>
@@ -19214,7 +19373,7 @@
               </a14:hiddenLine>
             </a:ext>
             <a:ext uri="{AF507438-7753-43e0-B8FC-AC1667EBCBE1}">
-              <a14:hiddenEffects xmlns:a14="http://schemas.microsoft.com/office/drawing/2010/main" xmlns="">
+              <a14:hiddenEffects xmlns="" xmlns:a14="http://schemas.microsoft.com/office/drawing/2010/main">
                 <a:effectLst>
                   <a:outerShdw blurRad="63500" dist="38099" dir="2700000" algn="ctr" rotWithShape="0">
                     <a:schemeClr val="bg2">
@@ -19378,12 +19537,12 @@
           <a:effectLst/>
           <a:extLst>
             <a:ext uri="{909E8E84-426E-40dd-AFC4-6F175D3DCCD1}">
-              <a14:hiddenFill xmlns:a14="http://schemas.microsoft.com/office/drawing/2010/main" xmlns="">
+              <a14:hiddenFill xmlns="" xmlns:a14="http://schemas.microsoft.com/office/drawing/2010/main">
                 <a:noFill/>
               </a14:hiddenFill>
             </a:ext>
             <a:ext uri="{AF507438-7753-43e0-B8FC-AC1667EBCBE1}">
-              <a14:hiddenEffects xmlns:a14="http://schemas.microsoft.com/office/drawing/2010/main" xmlns="">
+              <a14:hiddenEffects xmlns="" xmlns:a14="http://schemas.microsoft.com/office/drawing/2010/main">
                 <a:effectLst>
                   <a:outerShdw blurRad="63500" dist="38099" dir="2700000" algn="ctr" rotWithShape="0">
                     <a:schemeClr val="bg2">
@@ -19426,14 +19585,14 @@
           <a:effectLst/>
           <a:extLst>
             <a:ext uri="{909E8E84-426E-40dd-AFC4-6F175D3DCCD1}">
-              <a14:hiddenFill xmlns:a14="http://schemas.microsoft.com/office/drawing/2010/main" xmlns="">
+              <a14:hiddenFill xmlns="" xmlns:a14="http://schemas.microsoft.com/office/drawing/2010/main">
                 <a:solidFill>
                   <a:schemeClr val="accent1"/>
                 </a:solidFill>
               </a14:hiddenFill>
             </a:ext>
             <a:ext uri="{91240B29-F687-4f45-9708-019B960494DF}">
-              <a14:hiddenLine xmlns:a14="http://schemas.microsoft.com/office/drawing/2010/main" xmlns="" w="9525">
+              <a14:hiddenLine xmlns="" xmlns:a14="http://schemas.microsoft.com/office/drawing/2010/main" w="9525">
                 <a:solidFill>
                   <a:schemeClr val="tx1"/>
                 </a:solidFill>
@@ -19443,7 +19602,7 @@
               </a14:hiddenLine>
             </a:ext>
             <a:ext uri="{AF507438-7753-43e0-B8FC-AC1667EBCBE1}">
-              <a14:hiddenEffects xmlns:a14="http://schemas.microsoft.com/office/drawing/2010/main" xmlns="">
+              <a14:hiddenEffects xmlns="" xmlns:a14="http://schemas.microsoft.com/office/drawing/2010/main">
                 <a:effectLst>
                   <a:outerShdw blurRad="63500" dist="38099" dir="2700000" algn="ctr" rotWithShape="0">
                     <a:schemeClr val="bg2">
@@ -19602,14 +19761,14 @@
           <a:effectLst/>
           <a:extLst>
             <a:ext uri="{909E8E84-426E-40dd-AFC4-6F175D3DCCD1}">
-              <a14:hiddenFill xmlns:a14="http://schemas.microsoft.com/office/drawing/2010/main" xmlns="">
+              <a14:hiddenFill xmlns="" xmlns:a14="http://schemas.microsoft.com/office/drawing/2010/main">
                 <a:solidFill>
                   <a:schemeClr val="accent1"/>
                 </a:solidFill>
               </a14:hiddenFill>
             </a:ext>
             <a:ext uri="{91240B29-F687-4f45-9708-019B960494DF}">
-              <a14:hiddenLine xmlns:a14="http://schemas.microsoft.com/office/drawing/2010/main" xmlns="" w="9525">
+              <a14:hiddenLine xmlns="" xmlns:a14="http://schemas.microsoft.com/office/drawing/2010/main" w="9525">
                 <a:solidFill>
                   <a:schemeClr val="tx1"/>
                 </a:solidFill>
@@ -19619,7 +19778,7 @@
               </a14:hiddenLine>
             </a:ext>
             <a:ext uri="{AF507438-7753-43e0-B8FC-AC1667EBCBE1}">
-              <a14:hiddenEffects xmlns:a14="http://schemas.microsoft.com/office/drawing/2010/main" xmlns="">
+              <a14:hiddenEffects xmlns="" xmlns:a14="http://schemas.microsoft.com/office/drawing/2010/main">
                 <a:effectLst>
                   <a:outerShdw blurRad="63500" dist="38099" dir="2700000" algn="ctr" rotWithShape="0">
                     <a:schemeClr val="bg2">
@@ -19794,7 +19953,7 @@
           <a:effectLst/>
           <a:extLst>
             <a:ext uri="{AF507438-7753-43e0-B8FC-AC1667EBCBE1}">
-              <a14:hiddenEffects xmlns:a14="http://schemas.microsoft.com/office/drawing/2010/main" xmlns="">
+              <a14:hiddenEffects xmlns="" xmlns:a14="http://schemas.microsoft.com/office/drawing/2010/main">
                 <a:effectLst>
                   <a:outerShdw blurRad="63500" dist="38099" dir="2700000" algn="ctr" rotWithShape="0">
                     <a:schemeClr val="bg2">
@@ -19866,12 +20025,12 @@
           <a:effectLst/>
           <a:extLst>
             <a:ext uri="{909E8E84-426E-40dd-AFC4-6F175D3DCCD1}">
-              <a14:hiddenFill xmlns:a14="http://schemas.microsoft.com/office/drawing/2010/main" xmlns="">
+              <a14:hiddenFill xmlns="" xmlns:a14="http://schemas.microsoft.com/office/drawing/2010/main">
                 <a:noFill/>
               </a14:hiddenFill>
             </a:ext>
             <a:ext uri="{AF507438-7753-43e0-B8FC-AC1667EBCBE1}">
-              <a14:hiddenEffects xmlns:a14="http://schemas.microsoft.com/office/drawing/2010/main" xmlns="">
+              <a14:hiddenEffects xmlns="" xmlns:a14="http://schemas.microsoft.com/office/drawing/2010/main">
                 <a:effectLst>
                   <a:outerShdw blurRad="63500" dist="38099" dir="2700000" algn="ctr" rotWithShape="0">
                     <a:schemeClr val="bg2">
@@ -19923,7 +20082,7 @@
           <a:effectLst/>
           <a:extLst>
             <a:ext uri="{AF507438-7753-43e0-B8FC-AC1667EBCBE1}">
-              <a14:hiddenEffects xmlns:a14="http://schemas.microsoft.com/office/drawing/2010/main" xmlns="">
+              <a14:hiddenEffects xmlns="" xmlns:a14="http://schemas.microsoft.com/office/drawing/2010/main">
                 <a:effectLst>
                   <a:outerShdw blurRad="63500" dist="38099" dir="2700000" algn="ctr" rotWithShape="0">
                     <a:schemeClr val="bg2">
@@ -19971,14 +20130,14 @@
           <a:effectLst/>
           <a:extLst>
             <a:ext uri="{909E8E84-426E-40dd-AFC4-6F175D3DCCD1}">
-              <a14:hiddenFill xmlns:a14="http://schemas.microsoft.com/office/drawing/2010/main" xmlns="">
+              <a14:hiddenFill xmlns="" xmlns:a14="http://schemas.microsoft.com/office/drawing/2010/main">
                 <a:solidFill>
                   <a:schemeClr val="accent1"/>
                 </a:solidFill>
               </a14:hiddenFill>
             </a:ext>
             <a:ext uri="{91240B29-F687-4f45-9708-019B960494DF}">
-              <a14:hiddenLine xmlns:a14="http://schemas.microsoft.com/office/drawing/2010/main" xmlns="" w="9525">
+              <a14:hiddenLine xmlns="" xmlns:a14="http://schemas.microsoft.com/office/drawing/2010/main" w="9525">
                 <a:solidFill>
                   <a:schemeClr val="tx1"/>
                 </a:solidFill>
@@ -19988,7 +20147,7 @@
               </a14:hiddenLine>
             </a:ext>
             <a:ext uri="{AF507438-7753-43e0-B8FC-AC1667EBCBE1}">
-              <a14:hiddenEffects xmlns:a14="http://schemas.microsoft.com/office/drawing/2010/main" xmlns="">
+              <a14:hiddenEffects xmlns="" xmlns:a14="http://schemas.microsoft.com/office/drawing/2010/main">
                 <a:effectLst>
                   <a:outerShdw blurRad="63500" dist="38099" dir="2700000" algn="ctr" rotWithShape="0">
                     <a:schemeClr val="bg2">
@@ -20152,12 +20311,12 @@
           <a:effectLst/>
           <a:extLst>
             <a:ext uri="{909E8E84-426E-40dd-AFC4-6F175D3DCCD1}">
-              <a14:hiddenFill xmlns:a14="http://schemas.microsoft.com/office/drawing/2010/main" xmlns="">
+              <a14:hiddenFill xmlns="" xmlns:a14="http://schemas.microsoft.com/office/drawing/2010/main">
                 <a:noFill/>
               </a14:hiddenFill>
             </a:ext>
             <a:ext uri="{AF507438-7753-43e0-B8FC-AC1667EBCBE1}">
-              <a14:hiddenEffects xmlns:a14="http://schemas.microsoft.com/office/drawing/2010/main" xmlns="">
+              <a14:hiddenEffects xmlns="" xmlns:a14="http://schemas.microsoft.com/office/drawing/2010/main">
                 <a:effectLst>
                   <a:outerShdw blurRad="63500" dist="38099" dir="2700000" algn="ctr" rotWithShape="0">
                     <a:schemeClr val="bg2">
@@ -20205,12 +20364,12 @@
           <a:effectLst/>
           <a:extLst>
             <a:ext uri="{909E8E84-426E-40dd-AFC4-6F175D3DCCD1}">
-              <a14:hiddenFill xmlns:a14="http://schemas.microsoft.com/office/drawing/2010/main" xmlns="">
+              <a14:hiddenFill xmlns="" xmlns:a14="http://schemas.microsoft.com/office/drawing/2010/main">
                 <a:noFill/>
               </a14:hiddenFill>
             </a:ext>
             <a:ext uri="{AF507438-7753-43e0-B8FC-AC1667EBCBE1}">
-              <a14:hiddenEffects xmlns:a14="http://schemas.microsoft.com/office/drawing/2010/main" xmlns="">
+              <a14:hiddenEffects xmlns="" xmlns:a14="http://schemas.microsoft.com/office/drawing/2010/main">
                 <a:effectLst>
                   <a:outerShdw blurRad="63500" dist="38099" dir="2700000" algn="ctr" rotWithShape="0">
                     <a:schemeClr val="bg2">
@@ -20262,7 +20421,7 @@
           <a:effectLst/>
           <a:extLst>
             <a:ext uri="{AF507438-7753-43e0-B8FC-AC1667EBCBE1}">
-              <a14:hiddenEffects xmlns:a14="http://schemas.microsoft.com/office/drawing/2010/main" xmlns="">
+              <a14:hiddenEffects xmlns="" xmlns:a14="http://schemas.microsoft.com/office/drawing/2010/main">
                 <a:effectLst>
                   <a:outerShdw blurRad="63500" dist="38099" dir="2700000" algn="ctr" rotWithShape="0">
                     <a:schemeClr val="bg2">
@@ -20524,14 +20683,14 @@
           </a:ln>
           <a:extLst>
             <a:ext uri="{909E8E84-426E-40dd-AFC4-6F175D3DCCD1}">
-              <a14:hiddenFill xmlns:a14="http://schemas.microsoft.com/office/drawing/2010/main" xmlns="">
+              <a14:hiddenFill xmlns="" xmlns:a14="http://schemas.microsoft.com/office/drawing/2010/main">
                 <a:solidFill>
                   <a:srgbClr val="FFFFFF"/>
                 </a:solidFill>
               </a14:hiddenFill>
             </a:ext>
             <a:ext uri="{91240B29-F687-4f45-9708-019B960494DF}">
-              <a14:hiddenLine xmlns:a14="http://schemas.microsoft.com/office/drawing/2010/main" xmlns="" w="9525">
+              <a14:hiddenLine xmlns="" xmlns:a14="http://schemas.microsoft.com/office/drawing/2010/main" w="9525">
                 <a:solidFill>
                   <a:srgbClr val="000000"/>
                 </a:solidFill>
@@ -20570,7 +20729,7 @@
           </a:ln>
           <a:extLst>
             <a:ext uri="{909E8E84-426E-40dd-AFC4-6F175D3DCCD1}">
-              <a14:hiddenFill xmlns:a14="http://schemas.microsoft.com/office/drawing/2010/main" xmlns="">
+              <a14:hiddenFill xmlns="" xmlns:a14="http://schemas.microsoft.com/office/drawing/2010/main">
                 <a:noFill/>
               </a14:hiddenFill>
             </a:ext>
@@ -20611,7 +20770,7 @@
           </a:ln>
           <a:extLst>
             <a:ext uri="{909E8E84-426E-40dd-AFC4-6F175D3DCCD1}">
-              <a14:hiddenFill xmlns:a14="http://schemas.microsoft.com/office/drawing/2010/main" xmlns="">
+              <a14:hiddenFill xmlns="" xmlns:a14="http://schemas.microsoft.com/office/drawing/2010/main">
                 <a:noFill/>
               </a14:hiddenFill>
             </a:ext>
@@ -21441,14 +21600,14 @@
           </a:ln>
           <a:extLst>
             <a:ext uri="{909E8E84-426E-40dd-AFC4-6F175D3DCCD1}">
-              <a14:hiddenFill xmlns:a14="http://schemas.microsoft.com/office/drawing/2010/main" xmlns="">
+              <a14:hiddenFill xmlns="" xmlns:a14="http://schemas.microsoft.com/office/drawing/2010/main">
                 <a:solidFill>
                   <a:srgbClr val="FFFFFF"/>
                 </a:solidFill>
               </a14:hiddenFill>
             </a:ext>
             <a:ext uri="{91240B29-F687-4f45-9708-019B960494DF}">
-              <a14:hiddenLine xmlns:a14="http://schemas.microsoft.com/office/drawing/2010/main" xmlns="" w="9525">
+              <a14:hiddenLine xmlns="" xmlns:a14="http://schemas.microsoft.com/office/drawing/2010/main" w="9525">
                 <a:solidFill>
                   <a:srgbClr val="000000"/>
                 </a:solidFill>
@@ -21487,7 +21646,7 @@
           </a:ln>
           <a:extLst>
             <a:ext uri="{909E8E84-426E-40dd-AFC4-6F175D3DCCD1}">
-              <a14:hiddenFill xmlns:a14="http://schemas.microsoft.com/office/drawing/2010/main" xmlns="">
+              <a14:hiddenFill xmlns="" xmlns:a14="http://schemas.microsoft.com/office/drawing/2010/main">
                 <a:noFill/>
               </a14:hiddenFill>
             </a:ext>
@@ -21528,7 +21687,7 @@
           </a:ln>
           <a:extLst>
             <a:ext uri="{909E8E84-426E-40dd-AFC4-6F175D3DCCD1}">
-              <a14:hiddenFill xmlns:a14="http://schemas.microsoft.com/office/drawing/2010/main" xmlns="">
+              <a14:hiddenFill xmlns="" xmlns:a14="http://schemas.microsoft.com/office/drawing/2010/main">
                 <a:noFill/>
               </a14:hiddenFill>
             </a:ext>
@@ -21941,14 +22100,14 @@
           </a:ln>
           <a:extLst>
             <a:ext uri="{909E8E84-426E-40dd-AFC4-6F175D3DCCD1}">
-              <a14:hiddenFill xmlns:a14="http://schemas.microsoft.com/office/drawing/2010/main" xmlns="">
+              <a14:hiddenFill xmlns="" xmlns:a14="http://schemas.microsoft.com/office/drawing/2010/main">
                 <a:solidFill>
                   <a:srgbClr val="FFFFFF"/>
                 </a:solidFill>
               </a14:hiddenFill>
             </a:ext>
             <a:ext uri="{91240B29-F687-4f45-9708-019B960494DF}">
-              <a14:hiddenLine xmlns:a14="http://schemas.microsoft.com/office/drawing/2010/main" xmlns="" w="9525">
+              <a14:hiddenLine xmlns="" xmlns:a14="http://schemas.microsoft.com/office/drawing/2010/main" w="9525">
                 <a:solidFill>
                   <a:srgbClr val="000000"/>
                 </a:solidFill>
@@ -21995,14 +22154,14 @@
           </a:ln>
           <a:extLst>
             <a:ext uri="{909E8E84-426E-40dd-AFC4-6F175D3DCCD1}">
-              <a14:hiddenFill xmlns:a14="http://schemas.microsoft.com/office/drawing/2010/main" xmlns="">
+              <a14:hiddenFill xmlns="" xmlns:a14="http://schemas.microsoft.com/office/drawing/2010/main">
                 <a:solidFill>
                   <a:srgbClr val="FFFFFF"/>
                 </a:solidFill>
               </a14:hiddenFill>
             </a:ext>
             <a:ext uri="{91240B29-F687-4f45-9708-019B960494DF}">
-              <a14:hiddenLine xmlns:a14="http://schemas.microsoft.com/office/drawing/2010/main" xmlns="" w="9525">
+              <a14:hiddenLine xmlns="" xmlns:a14="http://schemas.microsoft.com/office/drawing/2010/main" w="9525">
                 <a:solidFill>
                   <a:srgbClr val="000000"/>
                 </a:solidFill>
@@ -22049,14 +22208,14 @@
           </a:ln>
           <a:extLst>
             <a:ext uri="{909E8E84-426E-40dd-AFC4-6F175D3DCCD1}">
-              <a14:hiddenFill xmlns:a14="http://schemas.microsoft.com/office/drawing/2010/main" xmlns="">
+              <a14:hiddenFill xmlns="" xmlns:a14="http://schemas.microsoft.com/office/drawing/2010/main">
                 <a:solidFill>
                   <a:srgbClr val="FFFFFF"/>
                 </a:solidFill>
               </a14:hiddenFill>
             </a:ext>
             <a:ext uri="{91240B29-F687-4f45-9708-019B960494DF}">
-              <a14:hiddenLine xmlns:a14="http://schemas.microsoft.com/office/drawing/2010/main" xmlns="" w="9525">
+              <a14:hiddenLine xmlns="" xmlns:a14="http://schemas.microsoft.com/office/drawing/2010/main" w="9525">
                 <a:solidFill>
                   <a:srgbClr val="000000"/>
                 </a:solidFill>
